--- a/Apresentacao-Squadra/Apresentacao-Async-Await.pptx
+++ b/Apresentacao-Squadra/Apresentacao-Async-Await.pptx
@@ -4,6 +4,9 @@
   <p:sldMasterIdLst>
     <p:sldMasterId id="2147483648" r:id="rId1"/>
   </p:sldMasterIdLst>
+  <p:notesMasterIdLst>
+    <p:notesMasterId r:id="rId41"/>
+  </p:notesMasterIdLst>
   <p:sldIdLst>
     <p:sldId id="256" r:id="rId2"/>
     <p:sldId id="257" r:id="rId3"/>
@@ -150,6 +153,1397 @@
 </p:presentation>
 </file>
 
+<file path=ppt/notesMasters/notesMaster1.xml><?xml version="1.0" encoding="utf-8"?>
+<p:notesMaster xmlns:a="http://schemas.openxmlformats.org/drawingml/2006/main" xmlns:r="http://schemas.openxmlformats.org/officeDocument/2006/relationships" xmlns:p="http://schemas.openxmlformats.org/presentationml/2006/main">
+  <p:cSld>
+    <p:bg>
+      <p:bgRef idx="1001">
+        <a:schemeClr val="bg1"/>
+      </p:bgRef>
+    </p:bg>
+    <p:spTree>
+      <p:nvGrpSpPr>
+        <p:cNvPr id="1" name=""/>
+        <p:cNvGrpSpPr/>
+        <p:nvPr/>
+      </p:nvGrpSpPr>
+      <p:grpSpPr>
+        <a:xfrm>
+          <a:off x="0" y="0"/>
+          <a:ext cx="0" cy="0"/>
+          <a:chOff x="0" y="0"/>
+          <a:chExt cx="0" cy="0"/>
+        </a:xfrm>
+      </p:grpSpPr>
+      <p:sp>
+        <p:nvSpPr>
+          <p:cNvPr id="2" name="Espaço Reservado para Cabeçalho 1"/>
+          <p:cNvSpPr>
+            <a:spLocks noGrp="1"/>
+          </p:cNvSpPr>
+          <p:nvPr>
+            <p:ph type="hdr" sz="quarter"/>
+          </p:nvPr>
+        </p:nvSpPr>
+        <p:spPr>
+          <a:xfrm>
+            <a:off x="0" y="0"/>
+            <a:ext cx="2971800" cy="458788"/>
+          </a:xfrm>
+          <a:prstGeom prst="rect">
+            <a:avLst/>
+          </a:prstGeom>
+        </p:spPr>
+        <p:txBody>
+          <a:bodyPr vert="horz" lIns="91440" tIns="45720" rIns="91440" bIns="45720" rtlCol="0"/>
+          <a:lstStyle>
+            <a:lvl1pPr algn="l">
+              <a:defRPr sz="1200"/>
+            </a:lvl1pPr>
+          </a:lstStyle>
+          <a:p>
+            <a:endParaRPr lang="pt-BR"/>
+          </a:p>
+        </p:txBody>
+      </p:sp>
+      <p:sp>
+        <p:nvSpPr>
+          <p:cNvPr id="3" name="Espaço Reservado para Data 2"/>
+          <p:cNvSpPr>
+            <a:spLocks noGrp="1"/>
+          </p:cNvSpPr>
+          <p:nvPr>
+            <p:ph type="dt" idx="1"/>
+          </p:nvPr>
+        </p:nvSpPr>
+        <p:spPr>
+          <a:xfrm>
+            <a:off x="3884613" y="0"/>
+            <a:ext cx="2971800" cy="458788"/>
+          </a:xfrm>
+          <a:prstGeom prst="rect">
+            <a:avLst/>
+          </a:prstGeom>
+        </p:spPr>
+        <p:txBody>
+          <a:bodyPr vert="horz" lIns="91440" tIns="45720" rIns="91440" bIns="45720" rtlCol="0"/>
+          <a:lstStyle>
+            <a:lvl1pPr algn="r">
+              <a:defRPr sz="1200"/>
+            </a:lvl1pPr>
+          </a:lstStyle>
+          <a:p>
+            <a:fld id="{0F2B3F9E-5CC4-4B37-AEA6-C9C0C603C32E}" type="datetimeFigureOut">
+              <a:rPr lang="pt-BR" smtClean="0"/>
+              <a:t>11/09/2019</a:t>
+            </a:fld>
+            <a:endParaRPr lang="pt-BR"/>
+          </a:p>
+        </p:txBody>
+      </p:sp>
+      <p:sp>
+        <p:nvSpPr>
+          <p:cNvPr id="4" name="Espaço Reservado para Imagem de Slide 3"/>
+          <p:cNvSpPr>
+            <a:spLocks noGrp="1" noRot="1" noChangeAspect="1"/>
+          </p:cNvSpPr>
+          <p:nvPr>
+            <p:ph type="sldImg" idx="2"/>
+          </p:nvPr>
+        </p:nvSpPr>
+        <p:spPr>
+          <a:xfrm>
+            <a:off x="685800" y="1143000"/>
+            <a:ext cx="5486400" cy="3086100"/>
+          </a:xfrm>
+          <a:prstGeom prst="rect">
+            <a:avLst/>
+          </a:prstGeom>
+          <a:noFill/>
+          <a:ln w="12700">
+            <a:solidFill>
+              <a:prstClr val="black"/>
+            </a:solidFill>
+          </a:ln>
+        </p:spPr>
+        <p:txBody>
+          <a:bodyPr vert="horz" lIns="91440" tIns="45720" rIns="91440" bIns="45720" rtlCol="0" anchor="ctr"/>
+          <a:lstStyle/>
+          <a:p>
+            <a:endParaRPr lang="pt-BR"/>
+          </a:p>
+        </p:txBody>
+      </p:sp>
+      <p:sp>
+        <p:nvSpPr>
+          <p:cNvPr id="5" name="Espaço Reservado para Anotações 4"/>
+          <p:cNvSpPr>
+            <a:spLocks noGrp="1"/>
+          </p:cNvSpPr>
+          <p:nvPr>
+            <p:ph type="body" sz="quarter" idx="3"/>
+          </p:nvPr>
+        </p:nvSpPr>
+        <p:spPr>
+          <a:xfrm>
+            <a:off x="685800" y="4400550"/>
+            <a:ext cx="5486400" cy="3600450"/>
+          </a:xfrm>
+          <a:prstGeom prst="rect">
+            <a:avLst/>
+          </a:prstGeom>
+        </p:spPr>
+        <p:txBody>
+          <a:bodyPr vert="horz" lIns="91440" tIns="45720" rIns="91440" bIns="45720" rtlCol="0"/>
+          <a:lstStyle/>
+          <a:p>
+            <a:pPr lvl="0"/>
+            <a:r>
+              <a:rPr lang="pt-BR" smtClean="0"/>
+              <a:t>Clique para editar o texto mestre</a:t>
+            </a:r>
+          </a:p>
+          <a:p>
+            <a:pPr lvl="1"/>
+            <a:r>
+              <a:rPr lang="pt-BR" smtClean="0"/>
+              <a:t>Segundo nível</a:t>
+            </a:r>
+          </a:p>
+          <a:p>
+            <a:pPr lvl="2"/>
+            <a:r>
+              <a:rPr lang="pt-BR" smtClean="0"/>
+              <a:t>Terceiro nível</a:t>
+            </a:r>
+          </a:p>
+          <a:p>
+            <a:pPr lvl="3"/>
+            <a:r>
+              <a:rPr lang="pt-BR" smtClean="0"/>
+              <a:t>Quarto nível</a:t>
+            </a:r>
+          </a:p>
+          <a:p>
+            <a:pPr lvl="4"/>
+            <a:r>
+              <a:rPr lang="pt-BR" smtClean="0"/>
+              <a:t>Quinto nível</a:t>
+            </a:r>
+            <a:endParaRPr lang="pt-BR"/>
+          </a:p>
+        </p:txBody>
+      </p:sp>
+      <p:sp>
+        <p:nvSpPr>
+          <p:cNvPr id="6" name="Espaço Reservado para Rodapé 5"/>
+          <p:cNvSpPr>
+            <a:spLocks noGrp="1"/>
+          </p:cNvSpPr>
+          <p:nvPr>
+            <p:ph type="ftr" sz="quarter" idx="4"/>
+          </p:nvPr>
+        </p:nvSpPr>
+        <p:spPr>
+          <a:xfrm>
+            <a:off x="0" y="8685213"/>
+            <a:ext cx="2971800" cy="458787"/>
+          </a:xfrm>
+          <a:prstGeom prst="rect">
+            <a:avLst/>
+          </a:prstGeom>
+        </p:spPr>
+        <p:txBody>
+          <a:bodyPr vert="horz" lIns="91440" tIns="45720" rIns="91440" bIns="45720" rtlCol="0" anchor="b"/>
+          <a:lstStyle>
+            <a:lvl1pPr algn="l">
+              <a:defRPr sz="1200"/>
+            </a:lvl1pPr>
+          </a:lstStyle>
+          <a:p>
+            <a:endParaRPr lang="pt-BR"/>
+          </a:p>
+        </p:txBody>
+      </p:sp>
+      <p:sp>
+        <p:nvSpPr>
+          <p:cNvPr id="7" name="Espaço Reservado para Número de Slide 6"/>
+          <p:cNvSpPr>
+            <a:spLocks noGrp="1"/>
+          </p:cNvSpPr>
+          <p:nvPr>
+            <p:ph type="sldNum" sz="quarter" idx="5"/>
+          </p:nvPr>
+        </p:nvSpPr>
+        <p:spPr>
+          <a:xfrm>
+            <a:off x="3884613" y="8685213"/>
+            <a:ext cx="2971800" cy="458787"/>
+          </a:xfrm>
+          <a:prstGeom prst="rect">
+            <a:avLst/>
+          </a:prstGeom>
+        </p:spPr>
+        <p:txBody>
+          <a:bodyPr vert="horz" lIns="91440" tIns="45720" rIns="91440" bIns="45720" rtlCol="0" anchor="b"/>
+          <a:lstStyle>
+            <a:lvl1pPr algn="r">
+              <a:defRPr sz="1200"/>
+            </a:lvl1pPr>
+          </a:lstStyle>
+          <a:p>
+            <a:fld id="{816C3FFF-0A66-435E-A00D-A84EE6FA5904}" type="slidenum">
+              <a:rPr lang="pt-BR" smtClean="0"/>
+              <a:t>‹nº›</a:t>
+            </a:fld>
+            <a:endParaRPr lang="pt-BR"/>
+          </a:p>
+        </p:txBody>
+      </p:sp>
+    </p:spTree>
+    <p:extLst>
+      <p:ext uri="{BB962C8B-B14F-4D97-AF65-F5344CB8AC3E}">
+        <p14:creationId xmlns:p14="http://schemas.microsoft.com/office/powerpoint/2010/main" val="51094615"/>
+      </p:ext>
+    </p:extLst>
+  </p:cSld>
+  <p:clrMap bg1="lt1" tx1="dk1" bg2="lt2" tx2="dk2" accent1="accent1" accent2="accent2" accent3="accent3" accent4="accent4" accent5="accent5" accent6="accent6" hlink="hlink" folHlink="folHlink"/>
+  <p:notesStyle>
+    <a:lvl1pPr marL="0" algn="l" defTabSz="914400" rtl="0" eaLnBrk="1" latinLnBrk="0" hangingPunct="1">
+      <a:defRPr sz="1200" kern="1200">
+        <a:solidFill>
+          <a:schemeClr val="tx1"/>
+        </a:solidFill>
+        <a:latin typeface="+mn-lt"/>
+        <a:ea typeface="+mn-ea"/>
+        <a:cs typeface="+mn-cs"/>
+      </a:defRPr>
+    </a:lvl1pPr>
+    <a:lvl2pPr marL="457200" algn="l" defTabSz="914400" rtl="0" eaLnBrk="1" latinLnBrk="0" hangingPunct="1">
+      <a:defRPr sz="1200" kern="1200">
+        <a:solidFill>
+          <a:schemeClr val="tx1"/>
+        </a:solidFill>
+        <a:latin typeface="+mn-lt"/>
+        <a:ea typeface="+mn-ea"/>
+        <a:cs typeface="+mn-cs"/>
+      </a:defRPr>
+    </a:lvl2pPr>
+    <a:lvl3pPr marL="914400" algn="l" defTabSz="914400" rtl="0" eaLnBrk="1" latinLnBrk="0" hangingPunct="1">
+      <a:defRPr sz="1200" kern="1200">
+        <a:solidFill>
+          <a:schemeClr val="tx1"/>
+        </a:solidFill>
+        <a:latin typeface="+mn-lt"/>
+        <a:ea typeface="+mn-ea"/>
+        <a:cs typeface="+mn-cs"/>
+      </a:defRPr>
+    </a:lvl3pPr>
+    <a:lvl4pPr marL="1371600" algn="l" defTabSz="914400" rtl="0" eaLnBrk="1" latinLnBrk="0" hangingPunct="1">
+      <a:defRPr sz="1200" kern="1200">
+        <a:solidFill>
+          <a:schemeClr val="tx1"/>
+        </a:solidFill>
+        <a:latin typeface="+mn-lt"/>
+        <a:ea typeface="+mn-ea"/>
+        <a:cs typeface="+mn-cs"/>
+      </a:defRPr>
+    </a:lvl4pPr>
+    <a:lvl5pPr marL="1828800" algn="l" defTabSz="914400" rtl="0" eaLnBrk="1" latinLnBrk="0" hangingPunct="1">
+      <a:defRPr sz="1200" kern="1200">
+        <a:solidFill>
+          <a:schemeClr val="tx1"/>
+        </a:solidFill>
+        <a:latin typeface="+mn-lt"/>
+        <a:ea typeface="+mn-ea"/>
+        <a:cs typeface="+mn-cs"/>
+      </a:defRPr>
+    </a:lvl5pPr>
+    <a:lvl6pPr marL="2286000" algn="l" defTabSz="914400" rtl="0" eaLnBrk="1" latinLnBrk="0" hangingPunct="1">
+      <a:defRPr sz="1200" kern="1200">
+        <a:solidFill>
+          <a:schemeClr val="tx1"/>
+        </a:solidFill>
+        <a:latin typeface="+mn-lt"/>
+        <a:ea typeface="+mn-ea"/>
+        <a:cs typeface="+mn-cs"/>
+      </a:defRPr>
+    </a:lvl6pPr>
+    <a:lvl7pPr marL="2743200" algn="l" defTabSz="914400" rtl="0" eaLnBrk="1" latinLnBrk="0" hangingPunct="1">
+      <a:defRPr sz="1200" kern="1200">
+        <a:solidFill>
+          <a:schemeClr val="tx1"/>
+        </a:solidFill>
+        <a:latin typeface="+mn-lt"/>
+        <a:ea typeface="+mn-ea"/>
+        <a:cs typeface="+mn-cs"/>
+      </a:defRPr>
+    </a:lvl7pPr>
+    <a:lvl8pPr marL="3200400" algn="l" defTabSz="914400" rtl="0" eaLnBrk="1" latinLnBrk="0" hangingPunct="1">
+      <a:defRPr sz="1200" kern="1200">
+        <a:solidFill>
+          <a:schemeClr val="tx1"/>
+        </a:solidFill>
+        <a:latin typeface="+mn-lt"/>
+        <a:ea typeface="+mn-ea"/>
+        <a:cs typeface="+mn-cs"/>
+      </a:defRPr>
+    </a:lvl8pPr>
+    <a:lvl9pPr marL="3657600" algn="l" defTabSz="914400" rtl="0" eaLnBrk="1" latinLnBrk="0" hangingPunct="1">
+      <a:defRPr sz="1200" kern="1200">
+        <a:solidFill>
+          <a:schemeClr val="tx1"/>
+        </a:solidFill>
+        <a:latin typeface="+mn-lt"/>
+        <a:ea typeface="+mn-ea"/>
+        <a:cs typeface="+mn-cs"/>
+      </a:defRPr>
+    </a:lvl9pPr>
+  </p:notesStyle>
+</p:notesMaster>
+</file>
+
+<file path=ppt/notesSlides/notesSlide1.xml><?xml version="1.0" encoding="utf-8"?>
+<p:notes xmlns:a="http://schemas.openxmlformats.org/drawingml/2006/main" xmlns:r="http://schemas.openxmlformats.org/officeDocument/2006/relationships" xmlns:p="http://schemas.openxmlformats.org/presentationml/2006/main">
+  <p:cSld>
+    <p:spTree>
+      <p:nvGrpSpPr>
+        <p:cNvPr id="1" name=""/>
+        <p:cNvGrpSpPr/>
+        <p:nvPr/>
+      </p:nvGrpSpPr>
+      <p:grpSpPr>
+        <a:xfrm>
+          <a:off x="0" y="0"/>
+          <a:ext cx="0" cy="0"/>
+          <a:chOff x="0" y="0"/>
+          <a:chExt cx="0" cy="0"/>
+        </a:xfrm>
+      </p:grpSpPr>
+      <p:sp>
+        <p:nvSpPr>
+          <p:cNvPr id="2" name="Espaço Reservado para Imagem de Slide 1"/>
+          <p:cNvSpPr>
+            <a:spLocks noGrp="1" noRot="1" noChangeAspect="1"/>
+          </p:cNvSpPr>
+          <p:nvPr>
+            <p:ph type="sldImg"/>
+          </p:nvPr>
+        </p:nvSpPr>
+        <p:spPr/>
+      </p:sp>
+      <p:sp>
+        <p:nvSpPr>
+          <p:cNvPr id="3" name="Espaço Reservado para Anotações 2"/>
+          <p:cNvSpPr>
+            <a:spLocks noGrp="1"/>
+          </p:cNvSpPr>
+          <p:nvPr>
+            <p:ph type="body" idx="1"/>
+          </p:nvPr>
+        </p:nvSpPr>
+        <p:spPr/>
+        <p:txBody>
+          <a:bodyPr/>
+          <a:lstStyle/>
+          <a:p>
+            <a:r>
+              <a:rPr lang="pt-BR" sz="1200" b="0" i="0" kern="1200" dirty="0" smtClean="0">
+                <a:solidFill>
+                  <a:schemeClr val="tx1"/>
+                </a:solidFill>
+                <a:effectLst/>
+                <a:latin typeface="+mn-lt"/>
+                <a:ea typeface="+mn-ea"/>
+                <a:cs typeface="+mn-cs"/>
+              </a:rPr>
+              <a:t>O</a:t>
+            </a:r>
+            <a:r>
+              <a:rPr lang="pt-BR" sz="1200" b="0" i="0" kern="1200" baseline="0" dirty="0" smtClean="0">
+                <a:solidFill>
+                  <a:schemeClr val="tx1"/>
+                </a:solidFill>
+                <a:effectLst/>
+                <a:latin typeface="+mn-lt"/>
+                <a:ea typeface="+mn-ea"/>
+                <a:cs typeface="+mn-cs"/>
+              </a:rPr>
+              <a:t> </a:t>
+            </a:r>
+            <a:r>
+              <a:rPr lang="pt-BR" sz="1200" b="0" i="0" kern="1200" baseline="0" dirty="0" err="1" smtClean="0">
+                <a:solidFill>
+                  <a:schemeClr val="tx1"/>
+                </a:solidFill>
+                <a:effectLst/>
+                <a:latin typeface="+mn-lt"/>
+                <a:ea typeface="+mn-ea"/>
+                <a:cs typeface="+mn-cs"/>
+              </a:rPr>
+              <a:t>ThreadPool</a:t>
+            </a:r>
+            <a:r>
+              <a:rPr lang="pt-BR" sz="1200" b="0" i="0" kern="1200" dirty="0" smtClean="0">
+                <a:solidFill>
+                  <a:schemeClr val="tx1"/>
+                </a:solidFill>
+                <a:effectLst/>
+                <a:latin typeface="+mn-lt"/>
+                <a:ea typeface="+mn-ea"/>
+                <a:cs typeface="+mn-cs"/>
+              </a:rPr>
+              <a:t> fornece ao seu aplicativo um pool de threads de trabalho gerenciados pelo sistema, permitindo que você se concentre em tarefas de aplicativo, e não no gerenciamento de threads.</a:t>
+            </a:r>
+          </a:p>
+          <a:p>
+            <a:endParaRPr lang="pt-BR" sz="1200" b="0" i="0" kern="1200" dirty="0" smtClean="0">
+              <a:solidFill>
+                <a:schemeClr val="tx1"/>
+              </a:solidFill>
+              <a:effectLst/>
+              <a:latin typeface="+mn-lt"/>
+              <a:ea typeface="+mn-ea"/>
+              <a:cs typeface="+mn-cs"/>
+            </a:endParaRPr>
+          </a:p>
+          <a:p>
+            <a:r>
+              <a:rPr lang="pt-BR" sz="1200" b="0" i="1" kern="1200" dirty="0" smtClean="0">
+                <a:solidFill>
+                  <a:schemeClr val="tx1"/>
+                </a:solidFill>
+                <a:effectLst/>
+                <a:latin typeface="+mn-lt"/>
+                <a:ea typeface="+mn-ea"/>
+                <a:cs typeface="+mn-cs"/>
+              </a:rPr>
+              <a:t>Fornece a funcionalidade básica para propagar um contexto de sincronização em vários modelos de sincronização. Ele</a:t>
+            </a:r>
+            <a:r>
+              <a:rPr lang="pt-BR" sz="1200" b="0" i="1" kern="1200" baseline="0" dirty="0" smtClean="0">
+                <a:solidFill>
+                  <a:schemeClr val="tx1"/>
+                </a:solidFill>
+                <a:effectLst/>
+                <a:latin typeface="+mn-lt"/>
+                <a:ea typeface="+mn-ea"/>
+                <a:cs typeface="+mn-cs"/>
+              </a:rPr>
+              <a:t> é o responsável por pegar sua tarefa obter do </a:t>
+            </a:r>
+            <a:r>
+              <a:rPr lang="pt-BR" sz="1200" b="0" i="1" kern="1200" baseline="0" dirty="0" err="1" smtClean="0">
+                <a:solidFill>
+                  <a:schemeClr val="tx1"/>
+                </a:solidFill>
+                <a:effectLst/>
+                <a:latin typeface="+mn-lt"/>
+                <a:ea typeface="+mn-ea"/>
+                <a:cs typeface="+mn-cs"/>
+              </a:rPr>
+              <a:t>trhread</a:t>
+            </a:r>
+            <a:r>
+              <a:rPr lang="pt-BR" sz="1200" b="0" i="1" kern="1200" baseline="0" dirty="0" smtClean="0">
+                <a:solidFill>
+                  <a:schemeClr val="tx1"/>
+                </a:solidFill>
+                <a:effectLst/>
+                <a:latin typeface="+mn-lt"/>
+                <a:ea typeface="+mn-ea"/>
+                <a:cs typeface="+mn-cs"/>
+              </a:rPr>
+              <a:t> pool uma </a:t>
+            </a:r>
+            <a:r>
+              <a:rPr lang="pt-BR" sz="1200" b="0" i="1" kern="1200" baseline="0" dirty="0" err="1" smtClean="0">
+                <a:solidFill>
+                  <a:schemeClr val="tx1"/>
+                </a:solidFill>
+                <a:effectLst/>
+                <a:latin typeface="+mn-lt"/>
+                <a:ea typeface="+mn-ea"/>
+                <a:cs typeface="+mn-cs"/>
+              </a:rPr>
+              <a:t>trhread</a:t>
+            </a:r>
+            <a:r>
+              <a:rPr lang="pt-BR" sz="1200" b="0" i="1" kern="1200" baseline="0" dirty="0" smtClean="0">
+                <a:solidFill>
+                  <a:schemeClr val="tx1"/>
+                </a:solidFill>
+                <a:effectLst/>
+                <a:latin typeface="+mn-lt"/>
+                <a:ea typeface="+mn-ea"/>
+                <a:cs typeface="+mn-cs"/>
+              </a:rPr>
+              <a:t> disponível pra executar em segundo plano, assim liberando a thread chamadora, assim quando esse execução que está em segundo plano finaliza, o Sincronizador de contexto é sinalizado sobre o evento e ele faz o swap entre a thread chamadora e thread que estava em segundo plano, para que a thread chamadora possa retomar sua execução de onde tinha parado.</a:t>
+            </a:r>
+            <a:endParaRPr lang="pt-BR" dirty="0"/>
+          </a:p>
+        </p:txBody>
+      </p:sp>
+      <p:sp>
+        <p:nvSpPr>
+          <p:cNvPr id="4" name="Espaço Reservado para Número de Slide 3"/>
+          <p:cNvSpPr>
+            <a:spLocks noGrp="1"/>
+          </p:cNvSpPr>
+          <p:nvPr>
+            <p:ph type="sldNum" sz="quarter" idx="10"/>
+          </p:nvPr>
+        </p:nvSpPr>
+        <p:spPr/>
+        <p:txBody>
+          <a:bodyPr/>
+          <a:lstStyle/>
+          <a:p>
+            <a:fld id="{816C3FFF-0A66-435E-A00D-A84EE6FA5904}" type="slidenum">
+              <a:rPr lang="pt-BR" smtClean="0"/>
+              <a:t>2</a:t>
+            </a:fld>
+            <a:endParaRPr lang="pt-BR"/>
+          </a:p>
+        </p:txBody>
+      </p:sp>
+    </p:spTree>
+    <p:extLst>
+      <p:ext uri="{BB962C8B-B14F-4D97-AF65-F5344CB8AC3E}">
+        <p14:creationId xmlns:p14="http://schemas.microsoft.com/office/powerpoint/2010/main" val="3108635038"/>
+      </p:ext>
+    </p:extLst>
+  </p:cSld>
+  <p:clrMapOvr>
+    <a:masterClrMapping/>
+  </p:clrMapOvr>
+</p:notes>
+</file>
+
+<file path=ppt/notesSlides/notesSlide2.xml><?xml version="1.0" encoding="utf-8"?>
+<p:notes xmlns:a="http://schemas.openxmlformats.org/drawingml/2006/main" xmlns:r="http://schemas.openxmlformats.org/officeDocument/2006/relationships" xmlns:p="http://schemas.openxmlformats.org/presentationml/2006/main">
+  <p:cSld>
+    <p:spTree>
+      <p:nvGrpSpPr>
+        <p:cNvPr id="1" name=""/>
+        <p:cNvGrpSpPr/>
+        <p:nvPr/>
+      </p:nvGrpSpPr>
+      <p:grpSpPr>
+        <a:xfrm>
+          <a:off x="0" y="0"/>
+          <a:ext cx="0" cy="0"/>
+          <a:chOff x="0" y="0"/>
+          <a:chExt cx="0" cy="0"/>
+        </a:xfrm>
+      </p:grpSpPr>
+      <p:sp>
+        <p:nvSpPr>
+          <p:cNvPr id="2" name="Espaço Reservado para Imagem de Slide 1"/>
+          <p:cNvSpPr>
+            <a:spLocks noGrp="1" noRot="1" noChangeAspect="1"/>
+          </p:cNvSpPr>
+          <p:nvPr>
+            <p:ph type="sldImg"/>
+          </p:nvPr>
+        </p:nvSpPr>
+        <p:spPr/>
+      </p:sp>
+      <p:sp>
+        <p:nvSpPr>
+          <p:cNvPr id="3" name="Espaço Reservado para Anotações 2"/>
+          <p:cNvSpPr>
+            <a:spLocks noGrp="1"/>
+          </p:cNvSpPr>
+          <p:nvPr>
+            <p:ph type="body" idx="1"/>
+          </p:nvPr>
+        </p:nvSpPr>
+        <p:spPr/>
+        <p:txBody>
+          <a:bodyPr/>
+          <a:lstStyle/>
+          <a:p>
+            <a:r>
+              <a:rPr lang="pt-BR" sz="1200" b="0" i="0" kern="1200" dirty="0" smtClean="0">
+                <a:solidFill>
+                  <a:schemeClr val="tx1"/>
+                </a:solidFill>
+                <a:effectLst/>
+                <a:latin typeface="+mn-lt"/>
+                <a:ea typeface="+mn-ea"/>
+                <a:cs typeface="+mn-cs"/>
+              </a:rPr>
+              <a:t>A plataforma .NET versão 4.0 apresenta o novo </a:t>
+            </a:r>
+            <a:r>
+              <a:rPr lang="pt-BR" sz="1200" b="0" i="0" kern="1200" dirty="0" err="1" smtClean="0">
+                <a:solidFill>
+                  <a:schemeClr val="tx1"/>
+                </a:solidFill>
+                <a:effectLst/>
+                <a:latin typeface="+mn-lt"/>
+                <a:ea typeface="+mn-ea"/>
+                <a:cs typeface="+mn-cs"/>
+              </a:rPr>
+              <a:t>namespace</a:t>
+            </a:r>
+            <a:r>
+              <a:rPr lang="pt-BR" sz="1200" b="0" i="0" kern="1200" dirty="0" smtClean="0">
+                <a:solidFill>
+                  <a:schemeClr val="tx1"/>
+                </a:solidFill>
+                <a:effectLst/>
+                <a:latin typeface="+mn-lt"/>
+                <a:ea typeface="+mn-ea"/>
+                <a:cs typeface="+mn-cs"/>
+              </a:rPr>
+              <a:t> </a:t>
+            </a:r>
+            <a:r>
+              <a:rPr lang="pt-BR" sz="1200" b="1" i="0" kern="1200" dirty="0" err="1" smtClean="0">
+                <a:solidFill>
+                  <a:schemeClr val="tx1"/>
+                </a:solidFill>
+                <a:effectLst/>
+                <a:latin typeface="+mn-lt"/>
+                <a:ea typeface="+mn-ea"/>
+                <a:cs typeface="+mn-cs"/>
+              </a:rPr>
+              <a:t>System.Threading.Tasks</a:t>
+            </a:r>
+            <a:r>
+              <a:rPr lang="pt-BR" sz="1200" b="1" i="0" kern="1200" dirty="0" smtClean="0">
+                <a:solidFill>
+                  <a:schemeClr val="tx1"/>
+                </a:solidFill>
+                <a:effectLst/>
+                <a:latin typeface="+mn-lt"/>
+                <a:ea typeface="+mn-ea"/>
+                <a:cs typeface="+mn-cs"/>
+              </a:rPr>
+              <a:t>,</a:t>
+            </a:r>
+            <a:r>
+              <a:rPr lang="pt-BR" sz="1200" b="0" i="0" kern="1200" dirty="0" smtClean="0">
+                <a:solidFill>
+                  <a:schemeClr val="tx1"/>
+                </a:solidFill>
+                <a:effectLst/>
+                <a:latin typeface="+mn-lt"/>
+                <a:ea typeface="+mn-ea"/>
+                <a:cs typeface="+mn-cs"/>
+              </a:rPr>
+              <a:t> o qual contém classes que permitem abstrair a funcionalidade de </a:t>
+            </a:r>
+            <a:r>
+              <a:rPr lang="pt-BR" sz="1200" b="0" i="1" kern="1200" dirty="0" err="1" smtClean="0">
+                <a:solidFill>
+                  <a:schemeClr val="tx1"/>
+                </a:solidFill>
+                <a:effectLst/>
+                <a:latin typeface="+mn-lt"/>
+                <a:ea typeface="+mn-ea"/>
+                <a:cs typeface="+mn-cs"/>
+              </a:rPr>
+              <a:t>threading</a:t>
+            </a:r>
+            <a:r>
+              <a:rPr lang="pt-BR" sz="1200" b="0" i="0" kern="1200" dirty="0" smtClean="0">
+                <a:solidFill>
+                  <a:schemeClr val="tx1"/>
+                </a:solidFill>
+                <a:effectLst/>
+                <a:latin typeface="+mn-lt"/>
+                <a:ea typeface="+mn-ea"/>
+                <a:cs typeface="+mn-cs"/>
+              </a:rPr>
+              <a:t> onde, na verdade, por trás dos panos, uma </a:t>
+            </a:r>
+            <a:r>
+              <a:rPr lang="pt-BR" sz="1200" b="1" i="0" kern="1200" dirty="0" err="1" smtClean="0">
+                <a:solidFill>
+                  <a:schemeClr val="tx1"/>
+                </a:solidFill>
+                <a:effectLst/>
+                <a:latin typeface="+mn-lt"/>
+                <a:ea typeface="+mn-ea"/>
+                <a:cs typeface="+mn-cs"/>
+              </a:rPr>
+              <a:t>ThreadPool</a:t>
+            </a:r>
+            <a:r>
+              <a:rPr lang="pt-BR" sz="1200" b="0" i="0" kern="1200" dirty="0" smtClean="0">
+                <a:solidFill>
+                  <a:schemeClr val="tx1"/>
+                </a:solidFill>
+                <a:effectLst/>
+                <a:latin typeface="+mn-lt"/>
+                <a:ea typeface="+mn-ea"/>
+                <a:cs typeface="+mn-cs"/>
+              </a:rPr>
+              <a:t> é usada.</a:t>
+            </a:r>
+          </a:p>
+          <a:p>
+            <a:endParaRPr lang="pt-BR" sz="1200" b="0" i="0" kern="1200" dirty="0" smtClean="0">
+              <a:solidFill>
+                <a:schemeClr val="tx1"/>
+              </a:solidFill>
+              <a:effectLst/>
+              <a:latin typeface="+mn-lt"/>
+              <a:ea typeface="+mn-ea"/>
+              <a:cs typeface="+mn-cs"/>
+            </a:endParaRPr>
+          </a:p>
+          <a:p>
+            <a:r>
+              <a:rPr lang="pt-BR" sz="1200" b="0" i="0" kern="1200" dirty="0" smtClean="0">
+                <a:solidFill>
+                  <a:schemeClr val="tx1"/>
+                </a:solidFill>
+                <a:effectLst/>
+                <a:latin typeface="+mn-lt"/>
+                <a:ea typeface="+mn-ea"/>
+                <a:cs typeface="+mn-cs"/>
+              </a:rPr>
+              <a:t>A plataforma .NET versão 4.0 apresenta o novo </a:t>
+            </a:r>
+            <a:r>
+              <a:rPr lang="pt-BR" sz="1200" b="0" i="0" kern="1200" dirty="0" err="1" smtClean="0">
+                <a:solidFill>
+                  <a:schemeClr val="tx1"/>
+                </a:solidFill>
+                <a:effectLst/>
+                <a:latin typeface="+mn-lt"/>
+                <a:ea typeface="+mn-ea"/>
+                <a:cs typeface="+mn-cs"/>
+              </a:rPr>
+              <a:t>namespace</a:t>
+            </a:r>
+            <a:r>
+              <a:rPr lang="pt-BR" sz="1200" b="0" i="0" kern="1200" dirty="0" smtClean="0">
+                <a:solidFill>
+                  <a:schemeClr val="tx1"/>
+                </a:solidFill>
+                <a:effectLst/>
+                <a:latin typeface="+mn-lt"/>
+                <a:ea typeface="+mn-ea"/>
+                <a:cs typeface="+mn-cs"/>
+              </a:rPr>
+              <a:t> </a:t>
+            </a:r>
+            <a:r>
+              <a:rPr lang="pt-BR" sz="1200" b="1" i="0" kern="1200" dirty="0" err="1" smtClean="0">
+                <a:solidFill>
+                  <a:schemeClr val="tx1"/>
+                </a:solidFill>
+                <a:effectLst/>
+                <a:latin typeface="+mn-lt"/>
+                <a:ea typeface="+mn-ea"/>
+                <a:cs typeface="+mn-cs"/>
+              </a:rPr>
+              <a:t>System.Threading.Tasks</a:t>
+            </a:r>
+            <a:r>
+              <a:rPr lang="pt-BR" sz="1200" b="1" i="0" kern="1200" dirty="0" smtClean="0">
+                <a:solidFill>
+                  <a:schemeClr val="tx1"/>
+                </a:solidFill>
+                <a:effectLst/>
+                <a:latin typeface="+mn-lt"/>
+                <a:ea typeface="+mn-ea"/>
+                <a:cs typeface="+mn-cs"/>
+              </a:rPr>
+              <a:t>,</a:t>
+            </a:r>
+            <a:r>
+              <a:rPr lang="pt-BR" sz="1200" b="0" i="0" kern="1200" dirty="0" smtClean="0">
+                <a:solidFill>
+                  <a:schemeClr val="tx1"/>
+                </a:solidFill>
+                <a:effectLst/>
+                <a:latin typeface="+mn-lt"/>
+                <a:ea typeface="+mn-ea"/>
+                <a:cs typeface="+mn-cs"/>
+              </a:rPr>
+              <a:t> o qual contém classes que permitem abstrair a funcionalidade de </a:t>
+            </a:r>
+            <a:r>
+              <a:rPr lang="pt-BR" sz="1200" b="0" i="1" kern="1200" dirty="0" err="1" smtClean="0">
+                <a:solidFill>
+                  <a:schemeClr val="tx1"/>
+                </a:solidFill>
+                <a:effectLst/>
+                <a:latin typeface="+mn-lt"/>
+                <a:ea typeface="+mn-ea"/>
+                <a:cs typeface="+mn-cs"/>
+              </a:rPr>
+              <a:t>threading</a:t>
+            </a:r>
+            <a:r>
+              <a:rPr lang="pt-BR" sz="1200" b="0" i="0" kern="1200" dirty="0" smtClean="0">
+                <a:solidFill>
+                  <a:schemeClr val="tx1"/>
+                </a:solidFill>
+                <a:effectLst/>
+                <a:latin typeface="+mn-lt"/>
+                <a:ea typeface="+mn-ea"/>
+                <a:cs typeface="+mn-cs"/>
+              </a:rPr>
+              <a:t> onde,</a:t>
+            </a:r>
+            <a:r>
+              <a:rPr lang="pt-BR" sz="1200" b="0" i="0" kern="1200" baseline="0" dirty="0" smtClean="0">
+                <a:solidFill>
+                  <a:schemeClr val="tx1"/>
+                </a:solidFill>
+                <a:effectLst/>
+                <a:latin typeface="+mn-lt"/>
+                <a:ea typeface="+mn-ea"/>
+                <a:cs typeface="+mn-cs"/>
+              </a:rPr>
+              <a:t> ou seja ao invés de termos que ficar gastando esforços para criar estruturas para fazer programação assíncrona ou paralela, com as </a:t>
+            </a:r>
+            <a:r>
+              <a:rPr lang="pt-BR" sz="1200" b="0" i="0" kern="1200" baseline="0" dirty="0" err="1" smtClean="0">
+                <a:solidFill>
+                  <a:schemeClr val="tx1"/>
+                </a:solidFill>
+                <a:effectLst/>
+                <a:latin typeface="+mn-lt"/>
+                <a:ea typeface="+mn-ea"/>
+                <a:cs typeface="+mn-cs"/>
+              </a:rPr>
+              <a:t>Tasks</a:t>
+            </a:r>
+            <a:r>
+              <a:rPr lang="pt-BR" sz="1200" b="0" i="0" kern="1200" baseline="0" dirty="0" smtClean="0">
+                <a:solidFill>
+                  <a:schemeClr val="tx1"/>
+                </a:solidFill>
+                <a:effectLst/>
+                <a:latin typeface="+mn-lt"/>
+                <a:ea typeface="+mn-ea"/>
+                <a:cs typeface="+mn-cs"/>
+              </a:rPr>
+              <a:t> a gente foca nossos esforços para construção do modelo de negócio. E por de baixo dos panos quem vai fazer essa questão de transferir sua tarefa para que seja executado em segundo plano em outra thread </a:t>
+            </a:r>
+            <a:r>
+              <a:rPr lang="pt-BR" sz="1200" b="0" i="0" kern="1200" baseline="0" dirty="0" err="1" smtClean="0">
+                <a:solidFill>
+                  <a:schemeClr val="tx1"/>
+                </a:solidFill>
+                <a:effectLst/>
+                <a:latin typeface="+mn-lt"/>
+                <a:ea typeface="+mn-ea"/>
+                <a:cs typeface="+mn-cs"/>
+              </a:rPr>
+              <a:t>sera</a:t>
+            </a:r>
+            <a:r>
+              <a:rPr lang="pt-BR" sz="1200" b="0" i="0" kern="1200" baseline="0" dirty="0" smtClean="0">
+                <a:solidFill>
+                  <a:schemeClr val="tx1"/>
+                </a:solidFill>
+                <a:effectLst/>
+                <a:latin typeface="+mn-lt"/>
+                <a:ea typeface="+mn-ea"/>
+                <a:cs typeface="+mn-cs"/>
+              </a:rPr>
+              <a:t> o </a:t>
+            </a:r>
+            <a:r>
+              <a:rPr lang="pt-BR" sz="1200" b="0" i="0" kern="1200" baseline="0" dirty="0" err="1" smtClean="0">
+                <a:solidFill>
+                  <a:schemeClr val="tx1"/>
+                </a:solidFill>
+                <a:effectLst/>
+                <a:latin typeface="+mn-lt"/>
+                <a:ea typeface="+mn-ea"/>
+                <a:cs typeface="+mn-cs"/>
+              </a:rPr>
+              <a:t>sincronanizador</a:t>
+            </a:r>
+            <a:r>
+              <a:rPr lang="pt-BR" sz="1200" b="0" i="0" kern="1200" baseline="0" dirty="0" smtClean="0">
+                <a:solidFill>
+                  <a:schemeClr val="tx1"/>
+                </a:solidFill>
+                <a:effectLst/>
+                <a:latin typeface="+mn-lt"/>
+                <a:ea typeface="+mn-ea"/>
+                <a:cs typeface="+mn-cs"/>
+              </a:rPr>
+              <a:t> de contexto, e quem vai prover uma thread para que sua tarefa seja executada é o </a:t>
+            </a:r>
+            <a:r>
+              <a:rPr lang="pt-BR" sz="1200" b="0" i="0" kern="1200" baseline="0" dirty="0" err="1" smtClean="0">
+                <a:solidFill>
+                  <a:schemeClr val="tx1"/>
+                </a:solidFill>
+                <a:effectLst/>
+                <a:latin typeface="+mn-lt"/>
+                <a:ea typeface="+mn-ea"/>
+                <a:cs typeface="+mn-cs"/>
+              </a:rPr>
+              <a:t>ThreadPool</a:t>
+            </a:r>
+            <a:endParaRPr lang="pt-BR" sz="1200" b="0" i="0" kern="1200" dirty="0" smtClean="0">
+              <a:solidFill>
+                <a:schemeClr val="tx1"/>
+              </a:solidFill>
+              <a:effectLst/>
+              <a:latin typeface="+mn-lt"/>
+              <a:ea typeface="+mn-ea"/>
+              <a:cs typeface="+mn-cs"/>
+            </a:endParaRPr>
+          </a:p>
+          <a:p>
+            <a:endParaRPr lang="pt-BR" sz="1200" b="0" i="0" kern="1200" dirty="0" smtClean="0">
+              <a:solidFill>
+                <a:schemeClr val="tx1"/>
+              </a:solidFill>
+              <a:effectLst/>
+              <a:latin typeface="+mn-lt"/>
+              <a:ea typeface="+mn-ea"/>
+              <a:cs typeface="+mn-cs"/>
+            </a:endParaRPr>
+          </a:p>
+          <a:p>
+            <a:r>
+              <a:rPr lang="pt-BR" sz="1200" b="0" i="0" kern="1200" dirty="0" err="1" smtClean="0">
+                <a:solidFill>
+                  <a:schemeClr val="tx1"/>
+                </a:solidFill>
+                <a:effectLst/>
+                <a:latin typeface="+mn-lt"/>
+                <a:ea typeface="+mn-ea"/>
+                <a:cs typeface="+mn-cs"/>
+              </a:rPr>
+              <a:t>Async</a:t>
+            </a:r>
+            <a:r>
+              <a:rPr lang="pt-BR" sz="1200" b="0" i="0" kern="1200" baseline="0" dirty="0" smtClean="0">
+                <a:solidFill>
+                  <a:schemeClr val="tx1"/>
+                </a:solidFill>
+                <a:effectLst/>
+                <a:latin typeface="+mn-lt"/>
+                <a:ea typeface="+mn-ea"/>
+                <a:cs typeface="+mn-cs"/>
+              </a:rPr>
+              <a:t> e </a:t>
+            </a:r>
+            <a:r>
+              <a:rPr lang="pt-BR" sz="1200" b="0" i="0" kern="1200" baseline="0" dirty="0" err="1" smtClean="0">
+                <a:solidFill>
+                  <a:schemeClr val="tx1"/>
+                </a:solidFill>
+                <a:effectLst/>
+                <a:latin typeface="+mn-lt"/>
+                <a:ea typeface="+mn-ea"/>
+                <a:cs typeface="+mn-cs"/>
+              </a:rPr>
+              <a:t>Await</a:t>
+            </a:r>
+            <a:r>
+              <a:rPr lang="pt-BR" sz="1200" b="0" i="0" kern="1200" baseline="0" dirty="0" smtClean="0">
+                <a:solidFill>
+                  <a:schemeClr val="tx1"/>
+                </a:solidFill>
+                <a:effectLst/>
+                <a:latin typeface="+mn-lt"/>
+                <a:ea typeface="+mn-ea"/>
+                <a:cs typeface="+mn-cs"/>
+              </a:rPr>
+              <a:t> foi introduzido </a:t>
+            </a:r>
+            <a:r>
+              <a:rPr lang="pt-BR" sz="1200" b="0" i="0" kern="1200" baseline="0" dirty="0" err="1" smtClean="0">
+                <a:solidFill>
+                  <a:schemeClr val="tx1"/>
+                </a:solidFill>
+                <a:effectLst/>
+                <a:latin typeface="+mn-lt"/>
+                <a:ea typeface="+mn-ea"/>
+                <a:cs typeface="+mn-cs"/>
+              </a:rPr>
+              <a:t>apartir</a:t>
+            </a:r>
+            <a:r>
+              <a:rPr lang="pt-BR" sz="1200" b="0" i="0" kern="1200" baseline="0" dirty="0" smtClean="0">
+                <a:solidFill>
+                  <a:schemeClr val="tx1"/>
+                </a:solidFill>
+                <a:effectLst/>
+                <a:latin typeface="+mn-lt"/>
+                <a:ea typeface="+mn-ea"/>
+                <a:cs typeface="+mn-cs"/>
+              </a:rPr>
+              <a:t> do </a:t>
+            </a:r>
+            <a:r>
+              <a:rPr lang="pt-BR" sz="1200" b="0" i="0" kern="1200" baseline="0" dirty="0" err="1" smtClean="0">
+                <a:solidFill>
+                  <a:schemeClr val="tx1"/>
+                </a:solidFill>
+                <a:effectLst/>
+                <a:latin typeface="+mn-lt"/>
+                <a:ea typeface="+mn-ea"/>
+                <a:cs typeface="+mn-cs"/>
+              </a:rPr>
+              <a:t>c#</a:t>
+            </a:r>
+            <a:r>
+              <a:rPr lang="pt-BR" sz="1200" b="0" i="0" kern="1200" baseline="0" dirty="0" smtClean="0">
+                <a:solidFill>
+                  <a:schemeClr val="tx1"/>
+                </a:solidFill>
+                <a:effectLst/>
+                <a:latin typeface="+mn-lt"/>
+                <a:ea typeface="+mn-ea"/>
+                <a:cs typeface="+mn-cs"/>
+              </a:rPr>
+              <a:t> 5.0, com o proposito de abstrair a forma de se criar código assíncrono, para que se utilizando as palavras reservadas </a:t>
+            </a:r>
+            <a:r>
+              <a:rPr lang="pt-BR" sz="1200" b="0" i="0" kern="1200" baseline="0" dirty="0" err="1" smtClean="0">
+                <a:solidFill>
+                  <a:schemeClr val="tx1"/>
+                </a:solidFill>
+                <a:effectLst/>
+                <a:latin typeface="+mn-lt"/>
+                <a:ea typeface="+mn-ea"/>
+                <a:cs typeface="+mn-cs"/>
+              </a:rPr>
+              <a:t>async</a:t>
+            </a:r>
+            <a:r>
+              <a:rPr lang="pt-BR" sz="1200" b="0" i="0" kern="1200" baseline="0" dirty="0" smtClean="0">
+                <a:solidFill>
+                  <a:schemeClr val="tx1"/>
+                </a:solidFill>
+                <a:effectLst/>
+                <a:latin typeface="+mn-lt"/>
+                <a:ea typeface="+mn-ea"/>
+                <a:cs typeface="+mn-cs"/>
+              </a:rPr>
+              <a:t> e </a:t>
+            </a:r>
+            <a:r>
+              <a:rPr lang="pt-BR" sz="1200" b="0" i="0" kern="1200" baseline="0" dirty="0" err="1" smtClean="0">
+                <a:solidFill>
+                  <a:schemeClr val="tx1"/>
+                </a:solidFill>
+                <a:effectLst/>
+                <a:latin typeface="+mn-lt"/>
+                <a:ea typeface="+mn-ea"/>
+                <a:cs typeface="+mn-cs"/>
+              </a:rPr>
+              <a:t>await</a:t>
+            </a:r>
+            <a:r>
+              <a:rPr lang="pt-BR" sz="1200" b="0" i="0" kern="1200" baseline="0" dirty="0" smtClean="0">
+                <a:solidFill>
+                  <a:schemeClr val="tx1"/>
+                </a:solidFill>
+                <a:effectLst/>
+                <a:latin typeface="+mn-lt"/>
+                <a:ea typeface="+mn-ea"/>
+                <a:cs typeface="+mn-cs"/>
+              </a:rPr>
+              <a:t> a gente consiga escrever códigos assíncronos bem parecidos com a forma de se escrever códigos síncronos.</a:t>
+            </a:r>
+            <a:br>
+              <a:rPr lang="pt-BR" sz="1200" b="0" i="0" kern="1200" baseline="0" dirty="0" smtClean="0">
+                <a:solidFill>
+                  <a:schemeClr val="tx1"/>
+                </a:solidFill>
+                <a:effectLst/>
+                <a:latin typeface="+mn-lt"/>
+                <a:ea typeface="+mn-ea"/>
+                <a:cs typeface="+mn-cs"/>
+              </a:rPr>
+            </a:br>
+            <a:r>
+              <a:rPr lang="pt-BR" sz="1200" b="0" i="0" kern="1200" baseline="0" dirty="0" smtClean="0">
+                <a:solidFill>
+                  <a:schemeClr val="tx1"/>
+                </a:solidFill>
+                <a:effectLst/>
+                <a:latin typeface="+mn-lt"/>
+                <a:ea typeface="+mn-ea"/>
+                <a:cs typeface="+mn-cs"/>
+              </a:rPr>
+              <a:t>Esse modelo é baseado no modelo TAP (Padrão assíncrono baseado em tarefa), ou seja por de baixos dos panos quando você </a:t>
+            </a:r>
+            <a:r>
+              <a:rPr lang="pt-BR" sz="1200" b="0" i="0" kern="1200" baseline="0" dirty="0" err="1" smtClean="0">
+                <a:solidFill>
+                  <a:schemeClr val="tx1"/>
+                </a:solidFill>
+                <a:effectLst/>
+                <a:latin typeface="+mn-lt"/>
+                <a:ea typeface="+mn-ea"/>
+                <a:cs typeface="+mn-cs"/>
+              </a:rPr>
+              <a:t>utuiliza</a:t>
+            </a:r>
+            <a:r>
+              <a:rPr lang="pt-BR" sz="1200" b="0" i="0" kern="1200" baseline="0" dirty="0" smtClean="0">
+                <a:solidFill>
+                  <a:schemeClr val="tx1"/>
+                </a:solidFill>
+                <a:effectLst/>
+                <a:latin typeface="+mn-lt"/>
+                <a:ea typeface="+mn-ea"/>
+                <a:cs typeface="+mn-cs"/>
+              </a:rPr>
+              <a:t> </a:t>
+            </a:r>
+            <a:r>
+              <a:rPr lang="pt-BR" sz="1200" b="0" i="0" kern="1200" baseline="0" dirty="0" err="1" smtClean="0">
+                <a:solidFill>
+                  <a:schemeClr val="tx1"/>
+                </a:solidFill>
+                <a:effectLst/>
+                <a:latin typeface="+mn-lt"/>
+                <a:ea typeface="+mn-ea"/>
+                <a:cs typeface="+mn-cs"/>
+              </a:rPr>
+              <a:t>async</a:t>
+            </a:r>
+            <a:r>
+              <a:rPr lang="pt-BR" sz="1200" b="0" i="0" kern="1200" baseline="0" dirty="0" smtClean="0">
+                <a:solidFill>
+                  <a:schemeClr val="tx1"/>
+                </a:solidFill>
+                <a:effectLst/>
+                <a:latin typeface="+mn-lt"/>
+                <a:ea typeface="+mn-ea"/>
+                <a:cs typeface="+mn-cs"/>
+              </a:rPr>
+              <a:t> e </a:t>
+            </a:r>
+            <a:r>
+              <a:rPr lang="pt-BR" sz="1200" b="0" i="0" kern="1200" baseline="0" dirty="0" err="1" smtClean="0">
+                <a:solidFill>
+                  <a:schemeClr val="tx1"/>
+                </a:solidFill>
+                <a:effectLst/>
+                <a:latin typeface="+mn-lt"/>
+                <a:ea typeface="+mn-ea"/>
+                <a:cs typeface="+mn-cs"/>
+              </a:rPr>
+              <a:t>await</a:t>
+            </a:r>
+            <a:r>
+              <a:rPr lang="pt-BR" sz="1200" b="0" i="0" kern="1200" baseline="0" dirty="0" smtClean="0">
+                <a:solidFill>
+                  <a:schemeClr val="tx1"/>
+                </a:solidFill>
+                <a:effectLst/>
+                <a:latin typeface="+mn-lt"/>
+                <a:ea typeface="+mn-ea"/>
+                <a:cs typeface="+mn-cs"/>
+              </a:rPr>
+              <a:t>, a CLR estará criando um </a:t>
+            </a:r>
+            <a:r>
+              <a:rPr lang="pt-BR" sz="1200" b="0" i="0" kern="1200" baseline="0" dirty="0" err="1" smtClean="0">
+                <a:solidFill>
+                  <a:schemeClr val="tx1"/>
+                </a:solidFill>
+                <a:effectLst/>
+                <a:latin typeface="+mn-lt"/>
+                <a:ea typeface="+mn-ea"/>
+                <a:cs typeface="+mn-cs"/>
+              </a:rPr>
+              <a:t>Task</a:t>
+            </a:r>
+            <a:r>
+              <a:rPr lang="pt-BR" sz="1200" b="0" i="0" kern="1200" baseline="0" dirty="0" smtClean="0">
+                <a:solidFill>
+                  <a:schemeClr val="tx1"/>
+                </a:solidFill>
+                <a:effectLst/>
+                <a:latin typeface="+mn-lt"/>
+                <a:ea typeface="+mn-ea"/>
+                <a:cs typeface="+mn-cs"/>
+              </a:rPr>
+              <a:t> para fazer a execução daquele seu código assíncrono em segundo plano. Aí quem vai gerenciar isso por de baixo dos panos como já vimos será o Sincronizador de contexto e o </a:t>
+            </a:r>
+            <a:r>
+              <a:rPr lang="pt-BR" sz="1200" b="0" i="0" kern="1200" baseline="0" dirty="0" err="1" smtClean="0">
+                <a:solidFill>
+                  <a:schemeClr val="tx1"/>
+                </a:solidFill>
+                <a:effectLst/>
+                <a:latin typeface="+mn-lt"/>
+                <a:ea typeface="+mn-ea"/>
+                <a:cs typeface="+mn-cs"/>
+              </a:rPr>
+              <a:t>ThreadPool</a:t>
+            </a:r>
+            <a:endParaRPr lang="pt-BR" sz="1200" b="0" i="0" kern="1200" dirty="0" smtClean="0">
+              <a:solidFill>
+                <a:schemeClr val="tx1"/>
+              </a:solidFill>
+              <a:effectLst/>
+              <a:latin typeface="+mn-lt"/>
+              <a:ea typeface="+mn-ea"/>
+              <a:cs typeface="+mn-cs"/>
+            </a:endParaRPr>
+          </a:p>
+        </p:txBody>
+      </p:sp>
+      <p:sp>
+        <p:nvSpPr>
+          <p:cNvPr id="4" name="Espaço Reservado para Número de Slide 3"/>
+          <p:cNvSpPr>
+            <a:spLocks noGrp="1"/>
+          </p:cNvSpPr>
+          <p:nvPr>
+            <p:ph type="sldNum" sz="quarter" idx="10"/>
+          </p:nvPr>
+        </p:nvSpPr>
+        <p:spPr/>
+        <p:txBody>
+          <a:bodyPr/>
+          <a:lstStyle/>
+          <a:p>
+            <a:fld id="{816C3FFF-0A66-435E-A00D-A84EE6FA5904}" type="slidenum">
+              <a:rPr lang="pt-BR" smtClean="0"/>
+              <a:t>3</a:t>
+            </a:fld>
+            <a:endParaRPr lang="pt-BR"/>
+          </a:p>
+        </p:txBody>
+      </p:sp>
+    </p:spTree>
+    <p:extLst>
+      <p:ext uri="{BB962C8B-B14F-4D97-AF65-F5344CB8AC3E}">
+        <p14:creationId xmlns:p14="http://schemas.microsoft.com/office/powerpoint/2010/main" val="1524793565"/>
+      </p:ext>
+    </p:extLst>
+  </p:cSld>
+  <p:clrMapOvr>
+    <a:masterClrMapping/>
+  </p:clrMapOvr>
+</p:notes>
+</file>
+
+<file path=ppt/notesSlides/notesSlide3.xml><?xml version="1.0" encoding="utf-8"?>
+<p:notes xmlns:a="http://schemas.openxmlformats.org/drawingml/2006/main" xmlns:r="http://schemas.openxmlformats.org/officeDocument/2006/relationships" xmlns:p="http://schemas.openxmlformats.org/presentationml/2006/main">
+  <p:cSld>
+    <p:spTree>
+      <p:nvGrpSpPr>
+        <p:cNvPr id="1" name=""/>
+        <p:cNvGrpSpPr/>
+        <p:nvPr/>
+      </p:nvGrpSpPr>
+      <p:grpSpPr>
+        <a:xfrm>
+          <a:off x="0" y="0"/>
+          <a:ext cx="0" cy="0"/>
+          <a:chOff x="0" y="0"/>
+          <a:chExt cx="0" cy="0"/>
+        </a:xfrm>
+      </p:grpSpPr>
+      <p:sp>
+        <p:nvSpPr>
+          <p:cNvPr id="2" name="Espaço Reservado para Imagem de Slide 1"/>
+          <p:cNvSpPr>
+            <a:spLocks noGrp="1" noRot="1" noChangeAspect="1"/>
+          </p:cNvSpPr>
+          <p:nvPr>
+            <p:ph type="sldImg"/>
+          </p:nvPr>
+        </p:nvSpPr>
+        <p:spPr/>
+      </p:sp>
+      <p:sp>
+        <p:nvSpPr>
+          <p:cNvPr id="3" name="Espaço Reservado para Anotações 2"/>
+          <p:cNvSpPr>
+            <a:spLocks noGrp="1"/>
+          </p:cNvSpPr>
+          <p:nvPr>
+            <p:ph type="body" idx="1"/>
+          </p:nvPr>
+        </p:nvSpPr>
+        <p:spPr/>
+        <p:txBody>
+          <a:bodyPr/>
+          <a:lstStyle/>
+          <a:p>
+            <a:r>
+              <a:rPr lang="pt-BR" dirty="0" smtClean="0"/>
+              <a:t>Pra cada método </a:t>
+            </a:r>
+            <a:r>
+              <a:rPr lang="pt-BR" dirty="0" err="1" smtClean="0"/>
+              <a:t>async</a:t>
+            </a:r>
+            <a:r>
+              <a:rPr lang="pt-BR" dirty="0" smtClean="0"/>
+              <a:t> a Linguagem </a:t>
+            </a:r>
+            <a:r>
+              <a:rPr lang="pt-BR" dirty="0" err="1" smtClean="0"/>
+              <a:t>intermédiaria</a:t>
+            </a:r>
+            <a:r>
+              <a:rPr lang="pt-BR" dirty="0" smtClean="0"/>
+              <a:t> irá compilar um nova</a:t>
+            </a:r>
+            <a:r>
+              <a:rPr lang="pt-BR" baseline="0" dirty="0" smtClean="0"/>
+              <a:t> classe de aproximadamente 100 bytes, que implementa uma máquina de estado</a:t>
+            </a:r>
+          </a:p>
+          <a:p>
+            <a:endParaRPr lang="pt-BR" dirty="0"/>
+          </a:p>
+        </p:txBody>
+      </p:sp>
+      <p:sp>
+        <p:nvSpPr>
+          <p:cNvPr id="4" name="Espaço Reservado para Número de Slide 3"/>
+          <p:cNvSpPr>
+            <a:spLocks noGrp="1"/>
+          </p:cNvSpPr>
+          <p:nvPr>
+            <p:ph type="sldNum" sz="quarter" idx="10"/>
+          </p:nvPr>
+        </p:nvSpPr>
+        <p:spPr/>
+        <p:txBody>
+          <a:bodyPr/>
+          <a:lstStyle/>
+          <a:p>
+            <a:fld id="{816C3FFF-0A66-435E-A00D-A84EE6FA5904}" type="slidenum">
+              <a:rPr lang="pt-BR" smtClean="0"/>
+              <a:t>9</a:t>
+            </a:fld>
+            <a:endParaRPr lang="pt-BR"/>
+          </a:p>
+        </p:txBody>
+      </p:sp>
+    </p:spTree>
+    <p:extLst>
+      <p:ext uri="{BB962C8B-B14F-4D97-AF65-F5344CB8AC3E}">
+        <p14:creationId xmlns:p14="http://schemas.microsoft.com/office/powerpoint/2010/main" val="3833471144"/>
+      </p:ext>
+    </p:extLst>
+  </p:cSld>
+  <p:clrMapOvr>
+    <a:masterClrMapping/>
+  </p:clrMapOvr>
+</p:notes>
+</file>
+
 <file path=ppt/slideLayouts/slideLayout1.xml><?xml version="1.0" encoding="utf-8"?>
 <p:sldLayout xmlns:a="http://schemas.openxmlformats.org/drawingml/2006/main" xmlns:r="http://schemas.openxmlformats.org/officeDocument/2006/relationships" xmlns:p="http://schemas.openxmlformats.org/presentationml/2006/main" type="title" preserve="1">
   <p:cSld name="Slide de título">
@@ -281,7 +1675,7 @@
           <a:p>
             <a:fld id="{1B1B6B4C-5FD0-4BB7-8FC9-632ADC484F75}" type="datetimeFigureOut">
               <a:rPr lang="pt-BR" smtClean="0"/>
-              <a:t>10/09/2019</a:t>
+              <a:t>11/09/2019</a:t>
             </a:fld>
             <a:endParaRPr lang="pt-BR"/>
           </a:p>
@@ -451,7 +1845,7 @@
           <a:p>
             <a:fld id="{1B1B6B4C-5FD0-4BB7-8FC9-632ADC484F75}" type="datetimeFigureOut">
               <a:rPr lang="pt-BR" smtClean="0"/>
-              <a:t>10/09/2019</a:t>
+              <a:t>11/09/2019</a:t>
             </a:fld>
             <a:endParaRPr lang="pt-BR"/>
           </a:p>
@@ -631,7 +2025,7 @@
           <a:p>
             <a:fld id="{1B1B6B4C-5FD0-4BB7-8FC9-632ADC484F75}" type="datetimeFigureOut">
               <a:rPr lang="pt-BR" smtClean="0"/>
-              <a:t>10/09/2019</a:t>
+              <a:t>11/09/2019</a:t>
             </a:fld>
             <a:endParaRPr lang="pt-BR"/>
           </a:p>
@@ -786,7 +2180,7 @@
           <a:p>
             <a:fld id="{1D8BD707-D9CF-40AE-B4C6-C98DA3205C09}" type="datetimeFigureOut">
               <a:rPr lang="en-US"/>
-              <a:t>9/10/2019</a:t>
+              <a:t>9/11/2019</a:t>
             </a:fld>
             <a:endParaRPr lang="en-US"/>
           </a:p>
@@ -946,7 +2340,7 @@
           <a:p>
             <a:fld id="{1B1B6B4C-5FD0-4BB7-8FC9-632ADC484F75}" type="datetimeFigureOut">
               <a:rPr lang="pt-BR" smtClean="0"/>
-              <a:t>10/09/2019</a:t>
+              <a:t>11/09/2019</a:t>
             </a:fld>
             <a:endParaRPr lang="pt-BR"/>
           </a:p>
@@ -1192,7 +2586,7 @@
           <a:p>
             <a:fld id="{1B1B6B4C-5FD0-4BB7-8FC9-632ADC484F75}" type="datetimeFigureOut">
               <a:rPr lang="pt-BR" smtClean="0"/>
-              <a:t>10/09/2019</a:t>
+              <a:t>11/09/2019</a:t>
             </a:fld>
             <a:endParaRPr lang="pt-BR"/>
           </a:p>
@@ -1424,7 +2818,7 @@
           <a:p>
             <a:fld id="{1B1B6B4C-5FD0-4BB7-8FC9-632ADC484F75}" type="datetimeFigureOut">
               <a:rPr lang="pt-BR" smtClean="0"/>
-              <a:t>10/09/2019</a:t>
+              <a:t>11/09/2019</a:t>
             </a:fld>
             <a:endParaRPr lang="pt-BR"/>
           </a:p>
@@ -1791,7 +3185,7 @@
           <a:p>
             <a:fld id="{1B1B6B4C-5FD0-4BB7-8FC9-632ADC484F75}" type="datetimeFigureOut">
               <a:rPr lang="pt-BR" smtClean="0"/>
-              <a:t>10/09/2019</a:t>
+              <a:t>11/09/2019</a:t>
             </a:fld>
             <a:endParaRPr lang="pt-BR"/>
           </a:p>
@@ -1909,7 +3303,7 @@
           <a:p>
             <a:fld id="{1B1B6B4C-5FD0-4BB7-8FC9-632ADC484F75}" type="datetimeFigureOut">
               <a:rPr lang="pt-BR" smtClean="0"/>
-              <a:t>10/09/2019</a:t>
+              <a:t>11/09/2019</a:t>
             </a:fld>
             <a:endParaRPr lang="pt-BR"/>
           </a:p>
@@ -2004,7 +3398,7 @@
           <a:p>
             <a:fld id="{1B1B6B4C-5FD0-4BB7-8FC9-632ADC484F75}" type="datetimeFigureOut">
               <a:rPr lang="pt-BR" smtClean="0"/>
-              <a:t>10/09/2019</a:t>
+              <a:t>11/09/2019</a:t>
             </a:fld>
             <a:endParaRPr lang="pt-BR"/>
           </a:p>
@@ -2281,7 +3675,7 @@
           <a:p>
             <a:fld id="{1B1B6B4C-5FD0-4BB7-8FC9-632ADC484F75}" type="datetimeFigureOut">
               <a:rPr lang="pt-BR" smtClean="0"/>
-              <a:t>10/09/2019</a:t>
+              <a:t>11/09/2019</a:t>
             </a:fld>
             <a:endParaRPr lang="pt-BR"/>
           </a:p>
@@ -2534,7 +3928,7 @@
           <a:p>
             <a:fld id="{1B1B6B4C-5FD0-4BB7-8FC9-632ADC484F75}" type="datetimeFigureOut">
               <a:rPr lang="pt-BR" smtClean="0"/>
-              <a:t>10/09/2019</a:t>
+              <a:t>11/09/2019</a:t>
             </a:fld>
             <a:endParaRPr lang="pt-BR"/>
           </a:p>
@@ -2753,7 +4147,7 @@
           <a:p>
             <a:fld id="{1B1B6B4C-5FD0-4BB7-8FC9-632ADC484F75}" type="datetimeFigureOut">
               <a:rPr lang="pt-BR" smtClean="0"/>
-              <a:t>10/09/2019</a:t>
+              <a:t>11/09/2019</a:t>
             </a:fld>
             <a:endParaRPr lang="pt-BR"/>
           </a:p>
@@ -7835,7 +9229,7 @@
               </a:rPr>
               <a:t>MoveNext()</a:t>
             </a:r>
-            <a:endParaRPr sz="1274">
+            <a:endParaRPr sz="1274" dirty="0">
               <a:latin typeface="Consolas"/>
               <a:cs typeface="Consolas"/>
             </a:endParaRPr>
@@ -7849,7 +9243,7 @@
               </a:rPr>
               <a:t>{</a:t>
             </a:r>
-            <a:endParaRPr sz="1274">
+            <a:endParaRPr sz="1274" dirty="0">
               <a:latin typeface="Consolas"/>
               <a:cs typeface="Consolas"/>
             </a:endParaRPr>
@@ -7945,7 +9339,7 @@
               </a:rPr>
               <a:t> -1;</a:t>
             </a:r>
-            <a:endParaRPr sz="1274">
+            <a:endParaRPr sz="1274" dirty="0">
               <a:latin typeface="Consolas"/>
               <a:cs typeface="Consolas"/>
             </a:endParaRPr>
@@ -7969,7 +9363,7 @@
               </a:rPr>
               <a:t>{</a:t>
             </a:r>
-            <a:endParaRPr sz="1274">
+            <a:endParaRPr sz="1274" dirty="0">
               <a:latin typeface="Consolas"/>
               <a:cs typeface="Consolas"/>
             </a:endParaRPr>
@@ -8034,7 +9428,7 @@
               </a:rPr>
               <a:t>0:</a:t>
             </a:r>
-            <a:endParaRPr sz="1274">
+            <a:endParaRPr sz="1274" dirty="0">
               <a:latin typeface="Consolas"/>
               <a:cs typeface="Consolas"/>
             </a:endParaRPr>
@@ -8094,7 +9488,7 @@
               </a:rPr>
               <a:t>WebClient();</a:t>
             </a:r>
-            <a:endParaRPr sz="1274">
+            <a:endParaRPr sz="1274" dirty="0">
               <a:latin typeface="Consolas"/>
               <a:cs typeface="Consolas"/>
             </a:endParaRPr>
@@ -8178,7 +9572,7 @@
               </a:rPr>
               <a:t>.url).GetAwaiter();</a:t>
             </a:r>
-            <a:endParaRPr sz="1274">
+            <a:endParaRPr sz="1274" dirty="0">
               <a:latin typeface="Consolas"/>
               <a:cs typeface="Consolas"/>
             </a:endParaRPr>
@@ -8220,7 +9614,7 @@
               </a:rPr>
               <a:t>1;</a:t>
             </a:r>
-            <a:endParaRPr sz="1274">
+            <a:endParaRPr sz="1274" dirty="0">
               <a:latin typeface="Consolas"/>
               <a:cs typeface="Consolas"/>
             </a:endParaRPr>
@@ -8234,7 +9628,7 @@
               </a:rPr>
               <a:t>...</a:t>
             </a:r>
-            <a:endParaRPr sz="1274">
+            <a:endParaRPr sz="1274" dirty="0">
               <a:latin typeface="Consolas"/>
               <a:cs typeface="Consolas"/>
             </a:endParaRPr>
@@ -8315,7 +9709,7 @@
               </a:rPr>
               <a:t>;</a:t>
             </a:r>
-            <a:endParaRPr sz="1274">
+            <a:endParaRPr sz="1274" dirty="0">
               <a:latin typeface="Consolas"/>
               <a:cs typeface="Consolas"/>
             </a:endParaRPr>
@@ -8339,7 +9733,7 @@
               </a:rPr>
               <a:t>1:</a:t>
             </a:r>
-            <a:endParaRPr sz="1274">
+            <a:endParaRPr sz="1274" dirty="0">
               <a:latin typeface="Consolas"/>
               <a:cs typeface="Consolas"/>
             </a:endParaRPr>
@@ -8406,7 +9800,7 @@
               </a:rPr>
               <a:t>.$awaiter0.GetResult();</a:t>
             </a:r>
-            <a:endParaRPr sz="1274">
+            <a:endParaRPr sz="1274" dirty="0">
               <a:latin typeface="Consolas"/>
               <a:cs typeface="Consolas"/>
             </a:endParaRPr>
@@ -8492,7 +9886,7 @@
               </a:rPr>
               <a:t>1);</a:t>
             </a:r>
-            <a:endParaRPr sz="1274">
+            <a:endParaRPr sz="1274" dirty="0">
               <a:latin typeface="Consolas"/>
               <a:cs typeface="Consolas"/>
             </a:endParaRPr>
@@ -8569,7 +9963,7 @@
               </a:rPr>
               <a:t>;</a:t>
             </a:r>
-            <a:endParaRPr sz="1274">
+            <a:endParaRPr sz="1274" dirty="0">
               <a:latin typeface="Consolas"/>
               <a:cs typeface="Consolas"/>
             </a:endParaRPr>
@@ -8593,7 +9987,7 @@
               </a:rPr>
               <a:t>:</a:t>
             </a:r>
-            <a:endParaRPr sz="1274">
+            <a:endParaRPr sz="1274" dirty="0">
               <a:latin typeface="Consolas"/>
               <a:cs typeface="Consolas"/>
             </a:endParaRPr>
@@ -8617,7 +10011,7 @@
               </a:rPr>
               <a:t>;</a:t>
             </a:r>
-            <a:endParaRPr sz="1274">
+            <a:endParaRPr sz="1274" dirty="0">
               <a:latin typeface="Consolas"/>
               <a:cs typeface="Consolas"/>
             </a:endParaRPr>
@@ -8631,7 +10025,7 @@
               </a:rPr>
               <a:t>}</a:t>
             </a:r>
-            <a:endParaRPr sz="1274">
+            <a:endParaRPr sz="1274" dirty="0">
               <a:latin typeface="Consolas"/>
               <a:cs typeface="Consolas"/>
             </a:endParaRPr>
@@ -8645,7 +10039,7 @@
               </a:rPr>
               <a:t>}</a:t>
             </a:r>
-            <a:endParaRPr sz="1274">
+            <a:endParaRPr sz="1274" dirty="0">
               <a:latin typeface="Consolas"/>
               <a:cs typeface="Consolas"/>
             </a:endParaRPr>
@@ -8724,7 +10118,7 @@
               </a:rPr>
               <a:t>.$builder.SetResult();</a:t>
             </a:r>
-            <a:endParaRPr sz="1274">
+            <a:endParaRPr sz="1274" dirty="0">
               <a:latin typeface="Consolas"/>
               <a:cs typeface="Consolas"/>
             </a:endParaRPr>
@@ -8742,7 +10136,7 @@
               </a:rPr>
               <a:t>}</a:t>
             </a:r>
-            <a:endParaRPr sz="1274">
+            <a:endParaRPr sz="1274" dirty="0">
               <a:latin typeface="Consolas"/>
               <a:cs typeface="Consolas"/>
             </a:endParaRPr>
@@ -15476,7 +16870,7 @@
             <a:avLst/>
           </a:prstGeom>
           <a:blipFill>
-            <a:blip r:embed="rId2" cstate="print"/>
+            <a:blip r:embed="rId3" cstate="print"/>
             <a:stretch>
               <a:fillRect/>
             </a:stretch>
@@ -15505,7 +16899,7 @@
             <a:avLst/>
           </a:prstGeom>
           <a:blipFill>
-            <a:blip r:embed="rId3" cstate="print"/>
+            <a:blip r:embed="rId4" cstate="print"/>
             <a:stretch>
               <a:fillRect/>
             </a:stretch>
@@ -15534,7 +16928,7 @@
             <a:avLst/>
           </a:prstGeom>
           <a:blipFill>
-            <a:blip r:embed="rId4" cstate="print"/>
+            <a:blip r:embed="rId5" cstate="print"/>
             <a:stretch>
               <a:fillRect/>
             </a:stretch>
@@ -15563,7 +16957,7 @@
             <a:avLst/>
           </a:prstGeom>
           <a:blipFill>
-            <a:blip r:embed="rId5" cstate="print"/>
+            <a:blip r:embed="rId6" cstate="print"/>
             <a:stretch>
               <a:fillRect/>
             </a:stretch>
@@ -15592,7 +16986,7 @@
             <a:avLst/>
           </a:prstGeom>
           <a:blipFill>
-            <a:blip r:embed="rId6" cstate="print"/>
+            <a:blip r:embed="rId7" cstate="print"/>
             <a:stretch>
               <a:fillRect/>
             </a:stretch>
@@ -15621,7 +17015,7 @@
             <a:avLst/>
           </a:prstGeom>
           <a:blipFill>
-            <a:blip r:embed="rId7" cstate="print"/>
+            <a:blip r:embed="rId8" cstate="print"/>
             <a:stretch>
               <a:fillRect/>
             </a:stretch>
@@ -15650,7 +17044,7 @@
             <a:avLst/>
           </a:prstGeom>
           <a:blipFill>
-            <a:blip r:embed="rId8" cstate="print"/>
+            <a:blip r:embed="rId9" cstate="print"/>
             <a:stretch>
               <a:fillRect/>
             </a:stretch>
@@ -15679,7 +17073,7 @@
             <a:avLst/>
           </a:prstGeom>
           <a:blipFill>
-            <a:blip r:embed="rId9" cstate="print"/>
+            <a:blip r:embed="rId10" cstate="print"/>
             <a:stretch>
               <a:fillRect/>
             </a:stretch>
@@ -15708,7 +17102,7 @@
             <a:avLst/>
           </a:prstGeom>
           <a:blipFill>
-            <a:blip r:embed="rId10" cstate="print"/>
+            <a:blip r:embed="rId11" cstate="print"/>
             <a:stretch>
               <a:fillRect/>
             </a:stretch>
@@ -25278,7 +26672,7 @@
           <p:nvPr/>
         </p:nvPicPr>
         <p:blipFill>
-          <a:blip r:embed="rId2">
+          <a:blip r:embed="rId3">
             <a:extLst>
               <a:ext uri="{28A0092B-C50C-407E-A947-70E740481C1C}">
                 <a14:useLocalDpi xmlns:a14="http://schemas.microsoft.com/office/drawing/2010/main" val="0"/>
@@ -32621,17 +34015,7 @@
                   </a:schemeClr>
                 </a:solidFill>
               </a:rPr>
-              <a:t>Obrigado </a:t>
-            </a:r>
-            <a:r>
-              <a:rPr lang="pt-BR" sz="7200" dirty="0" smtClean="0">
-                <a:solidFill>
-                  <a:schemeClr val="bg2">
-                    <a:lumMod val="25000"/>
-                  </a:schemeClr>
-                </a:solidFill>
-              </a:rPr>
-              <a:t>!!!</a:t>
+              <a:t>Obrigado !!!</a:t>
             </a:r>
             <a:endParaRPr lang="pt-BR" sz="7200" dirty="0">
               <a:solidFill>
@@ -35996,7 +37380,7 @@
             <a:avLst/>
           </a:prstGeom>
           <a:blipFill>
-            <a:blip r:embed="rId2" cstate="print"/>
+            <a:blip r:embed="rId3" cstate="print"/>
             <a:stretch>
               <a:fillRect/>
             </a:stretch>
@@ -36018,70 +37402,18 @@
         </p:nvSpPr>
         <p:spPr>
           <a:xfrm>
-            <a:off x="3412901" y="515283"/>
+            <a:off x="3213922" y="382923"/>
             <a:ext cx="8494351" cy="6082586"/>
           </a:xfrm>
           <a:prstGeom prst="rect">
             <a:avLst/>
           </a:prstGeom>
           <a:blipFill>
-            <a:blip r:embed="rId3" cstate="print"/>
+            <a:blip r:embed="rId4" cstate="print"/>
             <a:stretch>
               <a:fillRect/>
             </a:stretch>
           </a:blipFill>
-        </p:spPr>
-        <p:txBody>
-          <a:bodyPr wrap="square" lIns="0" tIns="0" rIns="0" bIns="0" rtlCol="0"/>
-          <a:lstStyle/>
-          <a:p>
-            <a:endParaRPr sz="1764"/>
-          </a:p>
-        </p:txBody>
-      </p:sp>
-      <p:sp>
-        <p:nvSpPr>
-          <p:cNvPr id="9" name="object 9"/>
-          <p:cNvSpPr/>
-          <p:nvPr/>
-        </p:nvSpPr>
-        <p:spPr>
-          <a:xfrm>
-            <a:off x="4437881" y="510802"/>
-            <a:ext cx="7474100" cy="5793828"/>
-          </a:xfrm>
-          <a:custGeom>
-            <a:avLst/>
-            <a:gdLst/>
-            <a:ahLst/>
-            <a:cxnLst/>
-            <a:rect l="l" t="t" r="r" b="b"/>
-            <a:pathLst>
-              <a:path w="7626350" h="5911850">
-                <a:moveTo>
-                  <a:pt x="0" y="5911596"/>
-                </a:moveTo>
-                <a:lnTo>
-                  <a:pt x="7626096" y="5911596"/>
-                </a:lnTo>
-                <a:lnTo>
-                  <a:pt x="7626096" y="0"/>
-                </a:lnTo>
-                <a:lnTo>
-                  <a:pt x="0" y="0"/>
-                </a:lnTo>
-                <a:lnTo>
-                  <a:pt x="0" y="5911596"/>
-                </a:lnTo>
-                <a:close/>
-              </a:path>
-            </a:pathLst>
-          </a:custGeom>
-          <a:ln w="9144">
-            <a:solidFill>
-              <a:srgbClr val="B49FFF"/>
-            </a:solidFill>
-          </a:ln>
         </p:spPr>
         <p:txBody>
           <a:bodyPr wrap="square" lIns="0" tIns="0" rIns="0" bIns="0" rtlCol="0"/>
@@ -36363,4 +37695,265 @@
     </a:ext>
   </a:extLst>
 </a:theme>
+</file>
+
+<file path=ppt/theme/theme2.xml><?xml version="1.0" encoding="utf-8"?>
+<a:theme xmlns:a="http://schemas.openxmlformats.org/drawingml/2006/main" name="Tema do Office">
+  <a:themeElements>
+    <a:clrScheme name="Escritório">
+      <a:dk1>
+        <a:sysClr val="windowText" lastClr="000000"/>
+      </a:dk1>
+      <a:lt1>
+        <a:sysClr val="window" lastClr="FFFFFF"/>
+      </a:lt1>
+      <a:dk2>
+        <a:srgbClr val="44546A"/>
+      </a:dk2>
+      <a:lt2>
+        <a:srgbClr val="E7E6E6"/>
+      </a:lt2>
+      <a:accent1>
+        <a:srgbClr val="5B9BD5"/>
+      </a:accent1>
+      <a:accent2>
+        <a:srgbClr val="ED7D31"/>
+      </a:accent2>
+      <a:accent3>
+        <a:srgbClr val="A5A5A5"/>
+      </a:accent3>
+      <a:accent4>
+        <a:srgbClr val="FFC000"/>
+      </a:accent4>
+      <a:accent5>
+        <a:srgbClr val="4472C4"/>
+      </a:accent5>
+      <a:accent6>
+        <a:srgbClr val="70AD47"/>
+      </a:accent6>
+      <a:hlink>
+        <a:srgbClr val="0563C1"/>
+      </a:hlink>
+      <a:folHlink>
+        <a:srgbClr val="954F72"/>
+      </a:folHlink>
+    </a:clrScheme>
+    <a:fontScheme name="Escritório">
+      <a:majorFont>
+        <a:latin typeface="Calibri Light" panose="020F0302020204030204"/>
+        <a:ea typeface=""/>
+        <a:cs typeface=""/>
+        <a:font script="Jpan" typeface="ＭＳ Ｐゴシック"/>
+        <a:font script="Hang" typeface="맑은 고딕"/>
+        <a:font script="Hans" typeface="宋体"/>
+        <a:font script="Hant" typeface="新細明體"/>
+        <a:font script="Arab" typeface="Times New Roman"/>
+        <a:font script="Hebr" typeface="Times New Roman"/>
+        <a:font script="Thai" typeface="Angsana New"/>
+        <a:font script="Ethi" typeface="Nyala"/>
+        <a:font script="Beng" typeface="Vrinda"/>
+        <a:font script="Gujr" typeface="Shruti"/>
+        <a:font script="Khmr" typeface="MoolBoran"/>
+        <a:font script="Knda" typeface="Tunga"/>
+        <a:font script="Guru" typeface="Raavi"/>
+        <a:font script="Cans" typeface="Euphemia"/>
+        <a:font script="Cher" typeface="Plantagenet Cherokee"/>
+        <a:font script="Yiii" typeface="Microsoft Yi Baiti"/>
+        <a:font script="Tibt" typeface="Microsoft Himalaya"/>
+        <a:font script="Thaa" typeface="MV Boli"/>
+        <a:font script="Deva" typeface="Mangal"/>
+        <a:font script="Telu" typeface="Gautami"/>
+        <a:font script="Taml" typeface="Latha"/>
+        <a:font script="Syrc" typeface="Estrangelo Edessa"/>
+        <a:font script="Orya" typeface="Kalinga"/>
+        <a:font script="Mlym" typeface="Kartika"/>
+        <a:font script="Laoo" typeface="DokChampa"/>
+        <a:font script="Sinh" typeface="Iskoola Pota"/>
+        <a:font script="Mong" typeface="Mongolian Baiti"/>
+        <a:font script="Viet" typeface="Times New Roman"/>
+        <a:font script="Uigh" typeface="Microsoft Uighur"/>
+        <a:font script="Geor" typeface="Sylfaen"/>
+      </a:majorFont>
+      <a:minorFont>
+        <a:latin typeface="Calibri" panose="020F0502020204030204"/>
+        <a:ea typeface=""/>
+        <a:cs typeface=""/>
+        <a:font script="Jpan" typeface="ＭＳ Ｐゴシック"/>
+        <a:font script="Hang" typeface="맑은 고딕"/>
+        <a:font script="Hans" typeface="宋体"/>
+        <a:font script="Hant" typeface="新細明體"/>
+        <a:font script="Arab" typeface="Arial"/>
+        <a:font script="Hebr" typeface="Arial"/>
+        <a:font script="Thai" typeface="Cordia New"/>
+        <a:font script="Ethi" typeface="Nyala"/>
+        <a:font script="Beng" typeface="Vrinda"/>
+        <a:font script="Gujr" typeface="Shruti"/>
+        <a:font script="Khmr" typeface="DaunPenh"/>
+        <a:font script="Knda" typeface="Tunga"/>
+        <a:font script="Guru" typeface="Raavi"/>
+        <a:font script="Cans" typeface="Euphemia"/>
+        <a:font script="Cher" typeface="Plantagenet Cherokee"/>
+        <a:font script="Yiii" typeface="Microsoft Yi Baiti"/>
+        <a:font script="Tibt" typeface="Microsoft Himalaya"/>
+        <a:font script="Thaa" typeface="MV Boli"/>
+        <a:font script="Deva" typeface="Mangal"/>
+        <a:font script="Telu" typeface="Gautami"/>
+        <a:font script="Taml" typeface="Latha"/>
+        <a:font script="Syrc" typeface="Estrangelo Edessa"/>
+        <a:font script="Orya" typeface="Kalinga"/>
+        <a:font script="Mlym" typeface="Kartika"/>
+        <a:font script="Laoo" typeface="DokChampa"/>
+        <a:font script="Sinh" typeface="Iskoola Pota"/>
+        <a:font script="Mong" typeface="Mongolian Baiti"/>
+        <a:font script="Viet" typeface="Arial"/>
+        <a:font script="Uigh" typeface="Microsoft Uighur"/>
+        <a:font script="Geor" typeface="Sylfaen"/>
+      </a:minorFont>
+    </a:fontScheme>
+    <a:fmtScheme name="Escritório">
+      <a:fillStyleLst>
+        <a:solidFill>
+          <a:schemeClr val="phClr"/>
+        </a:solidFill>
+        <a:gradFill rotWithShape="1">
+          <a:gsLst>
+            <a:gs pos="0">
+              <a:schemeClr val="phClr">
+                <a:lumMod val="110000"/>
+                <a:satMod val="105000"/>
+                <a:tint val="67000"/>
+              </a:schemeClr>
+            </a:gs>
+            <a:gs pos="50000">
+              <a:schemeClr val="phClr">
+                <a:lumMod val="105000"/>
+                <a:satMod val="103000"/>
+                <a:tint val="73000"/>
+              </a:schemeClr>
+            </a:gs>
+            <a:gs pos="100000">
+              <a:schemeClr val="phClr">
+                <a:lumMod val="105000"/>
+                <a:satMod val="109000"/>
+                <a:tint val="81000"/>
+              </a:schemeClr>
+            </a:gs>
+          </a:gsLst>
+          <a:lin ang="5400000" scaled="0"/>
+        </a:gradFill>
+        <a:gradFill rotWithShape="1">
+          <a:gsLst>
+            <a:gs pos="0">
+              <a:schemeClr val="phClr">
+                <a:satMod val="103000"/>
+                <a:lumMod val="102000"/>
+                <a:tint val="94000"/>
+              </a:schemeClr>
+            </a:gs>
+            <a:gs pos="50000">
+              <a:schemeClr val="phClr">
+                <a:satMod val="110000"/>
+                <a:lumMod val="100000"/>
+                <a:shade val="100000"/>
+              </a:schemeClr>
+            </a:gs>
+            <a:gs pos="100000">
+              <a:schemeClr val="phClr">
+                <a:lumMod val="99000"/>
+                <a:satMod val="120000"/>
+                <a:shade val="78000"/>
+              </a:schemeClr>
+            </a:gs>
+          </a:gsLst>
+          <a:lin ang="5400000" scaled="0"/>
+        </a:gradFill>
+      </a:fillStyleLst>
+      <a:lnStyleLst>
+        <a:ln w="6350" cap="flat" cmpd="sng" algn="ctr">
+          <a:solidFill>
+            <a:schemeClr val="phClr"/>
+          </a:solidFill>
+          <a:prstDash val="solid"/>
+          <a:miter lim="800000"/>
+        </a:ln>
+        <a:ln w="12700" cap="flat" cmpd="sng" algn="ctr">
+          <a:solidFill>
+            <a:schemeClr val="phClr"/>
+          </a:solidFill>
+          <a:prstDash val="solid"/>
+          <a:miter lim="800000"/>
+        </a:ln>
+        <a:ln w="19050" cap="flat" cmpd="sng" algn="ctr">
+          <a:solidFill>
+            <a:schemeClr val="phClr"/>
+          </a:solidFill>
+          <a:prstDash val="solid"/>
+          <a:miter lim="800000"/>
+        </a:ln>
+      </a:lnStyleLst>
+      <a:effectStyleLst>
+        <a:effectStyle>
+          <a:effectLst/>
+        </a:effectStyle>
+        <a:effectStyle>
+          <a:effectLst/>
+        </a:effectStyle>
+        <a:effectStyle>
+          <a:effectLst>
+            <a:outerShdw blurRad="57150" dist="19050" dir="5400000" algn="ctr" rotWithShape="0">
+              <a:srgbClr val="000000">
+                <a:alpha val="63000"/>
+              </a:srgbClr>
+            </a:outerShdw>
+          </a:effectLst>
+        </a:effectStyle>
+      </a:effectStyleLst>
+      <a:bgFillStyleLst>
+        <a:solidFill>
+          <a:schemeClr val="phClr"/>
+        </a:solidFill>
+        <a:solidFill>
+          <a:schemeClr val="phClr">
+            <a:tint val="95000"/>
+            <a:satMod val="170000"/>
+          </a:schemeClr>
+        </a:solidFill>
+        <a:gradFill rotWithShape="1">
+          <a:gsLst>
+            <a:gs pos="0">
+              <a:schemeClr val="phClr">
+                <a:tint val="93000"/>
+                <a:satMod val="150000"/>
+                <a:shade val="98000"/>
+                <a:lumMod val="102000"/>
+              </a:schemeClr>
+            </a:gs>
+            <a:gs pos="50000">
+              <a:schemeClr val="phClr">
+                <a:tint val="98000"/>
+                <a:satMod val="130000"/>
+                <a:shade val="90000"/>
+                <a:lumMod val="103000"/>
+              </a:schemeClr>
+            </a:gs>
+            <a:gs pos="100000">
+              <a:schemeClr val="phClr">
+                <a:shade val="63000"/>
+                <a:satMod val="120000"/>
+              </a:schemeClr>
+            </a:gs>
+          </a:gsLst>
+          <a:lin ang="5400000" scaled="0"/>
+        </a:gradFill>
+      </a:bgFillStyleLst>
+    </a:fmtScheme>
+  </a:themeElements>
+  <a:objectDefaults/>
+  <a:extraClrSchemeLst/>
+  <a:extLst>
+    <a:ext uri="{05A4C25C-085E-4340-85A3-A5531E510DB2}">
+      <thm15:themeFamily xmlns:thm15="http://schemas.microsoft.com/office/thememl/2012/main" name="Office Theme" id="{62F939B6-93AF-4DB8-9C6B-D6C7DFDC589F}" vid="{4A3C46E8-61CC-4603-A589-7422A47A8E4A}"/>
+    </a:ext>
+  </a:extLst>
+</a:theme>
 </file>
--- a/Apresentacao-Squadra/Apresentacao-Async-Await.pptx
+++ b/Apresentacao-Squadra/Apresentacao-Async-Await.pptx
@@ -19526,7 +19526,7 @@
                 <a:latin typeface="Courier New" panose="02070309020205020404" pitchFamily="49" charset="0"/>
                 <a:cs typeface="Courier New" panose="02070309020205020404" pitchFamily="49" charset="0"/>
               </a:rPr>
-              <a:t>async</a:t>
+              <a:t>void</a:t>
             </a:r>
             <a:r>
               <a:rPr kumimoji="0" lang="pt-BR" sz="1600" b="1" i="0" u="none" strike="noStrike" cap="none" normalizeH="0" baseline="0" dirty="0">
@@ -19535,34 +19535,6 @@
                 </a:ln>
                 <a:solidFill>
                   <a:srgbClr val="000080"/>
-                </a:solidFill>
-                <a:effectLst/>
-                <a:latin typeface="Courier New" panose="02070309020205020404" pitchFamily="49" charset="0"/>
-                <a:cs typeface="Courier New" panose="02070309020205020404" pitchFamily="49" charset="0"/>
-              </a:rPr>
-              <a:t> </a:t>
-            </a:r>
-            <a:r>
-              <a:rPr kumimoji="0" lang="pt-BR" sz="1600" b="0" i="0" u="none" strike="noStrike" cap="none" normalizeH="0" baseline="0" dirty="0" err="1">
-                <a:ln>
-                  <a:noFill/>
-                </a:ln>
-                <a:solidFill>
-                  <a:srgbClr val="000000"/>
-                </a:solidFill>
-                <a:effectLst/>
-                <a:latin typeface="Courier New" panose="02070309020205020404" pitchFamily="49" charset="0"/>
-                <a:cs typeface="Courier New" panose="02070309020205020404" pitchFamily="49" charset="0"/>
-              </a:rPr>
-              <a:t>Task</a:t>
-            </a:r>
-            <a:r>
-              <a:rPr kumimoji="0" lang="pt-BR" sz="1600" b="0" i="0" u="none" strike="noStrike" cap="none" normalizeH="0" baseline="0" dirty="0">
-                <a:ln>
-                  <a:noFill/>
-                </a:ln>
-                <a:solidFill>
-                  <a:srgbClr val="000000"/>
                 </a:solidFill>
                 <a:effectLst/>
                 <a:latin typeface="Courier New" panose="02070309020205020404" pitchFamily="49" charset="0"/>
@@ -19788,7 +19760,7 @@
                 <a:latin typeface="Courier New" panose="02070309020205020404" pitchFamily="49" charset="0"/>
                 <a:cs typeface="Courier New" panose="02070309020205020404" pitchFamily="49" charset="0"/>
               </a:rPr>
-              <a:t>GeradorResultado</a:t>
+              <a:t>GerarResultado</a:t>
             </a:r>
             <a:r>
               <a:rPr kumimoji="0" lang="pt-BR" sz="1600" b="0" i="0" u="none" strike="noStrike" cap="none" normalizeH="0" baseline="0" dirty="0">
@@ -20177,8 +20149,8 @@
         </p:blipFill>
         <p:spPr>
           <a:xfrm>
-            <a:off x="6383755" y="1992574"/>
-            <a:ext cx="5650802" cy="4318507"/>
+            <a:off x="6330463" y="1842448"/>
+            <a:ext cx="5704094" cy="4468633"/>
           </a:xfrm>
           <a:prstGeom prst="rect">
             <a:avLst/>
@@ -20402,21 +20374,13 @@
           </a:bodyPr>
           <a:lstStyle/>
           <a:p>
-            <a:pPr marL="0" marR="0" lvl="0" indent="0" algn="l" defTabSz="914400" rtl="0" eaLnBrk="0" fontAlgn="base" latinLnBrk="0" hangingPunct="0">
-              <a:lnSpc>
-                <a:spcPct val="100000"/>
-              </a:lnSpc>
+            <a:pPr lvl="0" eaLnBrk="0" fontAlgn="base" hangingPunct="0">
               <a:spcBef>
                 <a:spcPct val="0"/>
               </a:spcBef>
               <a:spcAft>
                 <a:spcPct val="0"/>
               </a:spcAft>
-              <a:buClrTx/>
-              <a:buSzTx/>
-              <a:buFontTx/>
-              <a:buNone/>
-              <a:tabLst/>
             </a:pPr>
             <a:r>
               <a:rPr kumimoji="0" lang="pt-BR" sz="1600" b="1" i="0" u="none" strike="noStrike" cap="none" normalizeH="0" baseline="0" dirty="0" err="1">
@@ -20486,7 +20450,7 @@
                 <a:latin typeface="Courier New" panose="02070309020205020404" pitchFamily="49" charset="0"/>
                 <a:cs typeface="Courier New" panose="02070309020205020404" pitchFamily="49" charset="0"/>
               </a:rPr>
-              <a:t>async</a:t>
+              <a:t>void</a:t>
             </a:r>
             <a:r>
               <a:rPr kumimoji="0" lang="pt-BR" sz="1600" b="1" i="0" u="none" strike="noStrike" cap="none" normalizeH="0" baseline="0" dirty="0">
@@ -20495,34 +20459,6 @@
                 </a:ln>
                 <a:solidFill>
                   <a:srgbClr val="000080"/>
-                </a:solidFill>
-                <a:effectLst/>
-                <a:latin typeface="Courier New" panose="02070309020205020404" pitchFamily="49" charset="0"/>
-                <a:cs typeface="Courier New" panose="02070309020205020404" pitchFamily="49" charset="0"/>
-              </a:rPr>
-              <a:t> </a:t>
-            </a:r>
-            <a:r>
-              <a:rPr kumimoji="0" lang="pt-BR" sz="1600" b="0" i="0" u="none" strike="noStrike" cap="none" normalizeH="0" baseline="0" dirty="0" err="1">
-                <a:ln>
-                  <a:noFill/>
-                </a:ln>
-                <a:solidFill>
-                  <a:srgbClr val="000000"/>
-                </a:solidFill>
-                <a:effectLst/>
-                <a:latin typeface="Courier New" panose="02070309020205020404" pitchFamily="49" charset="0"/>
-                <a:cs typeface="Courier New" panose="02070309020205020404" pitchFamily="49" charset="0"/>
-              </a:rPr>
-              <a:t>Task</a:t>
-            </a:r>
-            <a:r>
-              <a:rPr kumimoji="0" lang="pt-BR" sz="1600" b="0" i="0" u="none" strike="noStrike" cap="none" normalizeH="0" baseline="0" dirty="0">
-                <a:ln>
-                  <a:noFill/>
-                </a:ln>
-                <a:solidFill>
-                  <a:srgbClr val="000000"/>
                 </a:solidFill>
                 <a:effectLst/>
                 <a:latin typeface="Courier New" panose="02070309020205020404" pitchFamily="49" charset="0"/>
@@ -20737,28 +20673,20 @@
               <a:t>= </a:t>
             </a:r>
             <a:r>
-              <a:rPr kumimoji="0" lang="pt-BR" sz="1600" b="0" i="0" u="none" strike="noStrike" cap="none" normalizeH="0" baseline="0" dirty="0" err="1">
-                <a:ln>
-                  <a:noFill/>
-                </a:ln>
-                <a:solidFill>
-                  <a:srgbClr val="000000"/>
-                </a:solidFill>
-                <a:effectLst/>
-                <a:latin typeface="Courier New" panose="02070309020205020404" pitchFamily="49" charset="0"/>
-                <a:cs typeface="Courier New" panose="02070309020205020404" pitchFamily="49" charset="0"/>
-              </a:rPr>
-              <a:t>GeradorResultado</a:t>
-            </a:r>
-            <a:r>
-              <a:rPr kumimoji="0" lang="pt-BR" sz="1600" b="0" i="0" u="none" strike="noStrike" cap="none" normalizeH="0" baseline="0" dirty="0">
-                <a:ln>
-                  <a:noFill/>
-                </a:ln>
-                <a:solidFill>
-                  <a:srgbClr val="000000"/>
-                </a:solidFill>
-                <a:effectLst/>
+              <a:rPr lang="pt-BR" sz="1600" dirty="0" err="1">
+                <a:solidFill>
+                  <a:srgbClr val="000000"/>
+                </a:solidFill>
+                <a:latin typeface="Courier New" panose="02070309020205020404" pitchFamily="49" charset="0"/>
+                <a:cs typeface="Courier New" panose="02070309020205020404" pitchFamily="49" charset="0"/>
+              </a:rPr>
+              <a:t>GerarResultado</a:t>
+            </a:r>
+            <a:r>
+              <a:rPr lang="pt-BR" sz="1600" dirty="0">
+                <a:solidFill>
+                  <a:srgbClr val="000000"/>
+                </a:solidFill>
                 <a:latin typeface="Courier New" panose="02070309020205020404" pitchFamily="49" charset="0"/>
                 <a:cs typeface="Courier New" panose="02070309020205020404" pitchFamily="49" charset="0"/>
               </a:rPr>
@@ -23538,8 +23466,8 @@
         </p:nvSpPr>
         <p:spPr bwMode="auto">
           <a:xfrm>
-            <a:off x="167424" y="1685600"/>
-            <a:ext cx="9105365" cy="4401205"/>
+            <a:off x="167424" y="1750168"/>
+            <a:ext cx="11391530" cy="3170099"/>
           </a:xfrm>
           <a:prstGeom prst="rect">
             <a:avLst/>
@@ -23599,7 +23527,7 @@
               <a:tabLst/>
             </a:pPr>
             <a:r>
-              <a:rPr kumimoji="0" lang="pt-BR" sz="2000" b="1" i="0" u="none" strike="noStrike" cap="none" normalizeH="0" baseline="0">
+              <a:rPr kumimoji="0" lang="pt-BR" sz="2000" b="1" i="0" u="none" strike="noStrike" cap="none" normalizeH="0" baseline="0" dirty="0" err="1">
                 <a:ln>
                   <a:noFill/>
                 </a:ln>
@@ -24532,20 +24460,12 @@
           <a:lstStyle/>
           <a:p>
             <a:r>
-              <a:rPr lang="pt-BR" sz="3200" dirty="0" err="1">
+              <a:rPr lang="pt-BR" sz="3200" dirty="0">
                 <a:solidFill>
                   <a:schemeClr val="accent4"/>
                 </a:solidFill>
               </a:rPr>
-              <a:t>Excentro</a:t>
-            </a:r>
-            <a:r>
-              <a:rPr lang="pt-BR" sz="3200" dirty="0">
-                <a:solidFill>
-                  <a:schemeClr val="accent4"/>
-                </a:solidFill>
-              </a:rPr>
-              <a:t> dentro de blocos </a:t>
+              <a:t>Exceto dentro de blocos </a:t>
             </a:r>
             <a:r>
               <a:rPr lang="pt-BR" sz="3200" dirty="0" err="1">
